--- a/lessons/5_July 23-Forecasting/Day5 July 23_Revised.pptx
+++ b/lessons/5_July 23-Forecasting/Day5 July 23_Revised.pptx
@@ -33,7 +33,7 @@
     <p:sldId id="295" r:id="rId24"/>
     <p:sldId id="320" r:id="rId25"/>
     <p:sldId id="321" r:id="rId26"/>
-    <p:sldId id="322" r:id="rId27"/>
+    <p:sldId id="396" r:id="rId27"/>
     <p:sldId id="296" r:id="rId28"/>
     <p:sldId id="302" r:id="rId29"/>
     <p:sldId id="325" r:id="rId30"/>
@@ -45,7 +45,7 @@
     <p:sldId id="332" r:id="rId36"/>
     <p:sldId id="333" r:id="rId37"/>
     <p:sldId id="323" r:id="rId38"/>
-    <p:sldId id="334" r:id="rId39"/>
+    <p:sldId id="397" r:id="rId39"/>
     <p:sldId id="335" r:id="rId40"/>
     <p:sldId id="337" r:id="rId41"/>
     <p:sldId id="342" r:id="rId42"/>
@@ -53,7 +53,7 @@
     <p:sldId id="339" r:id="rId44"/>
     <p:sldId id="340" r:id="rId45"/>
     <p:sldId id="336" r:id="rId46"/>
-    <p:sldId id="341" r:id="rId47"/>
+    <p:sldId id="398" r:id="rId47"/>
     <p:sldId id="344" r:id="rId48"/>
     <p:sldId id="345" r:id="rId49"/>
     <p:sldId id="346" r:id="rId50"/>
@@ -63,7 +63,7 @@
     <p:sldId id="349" r:id="rId54"/>
     <p:sldId id="308" r:id="rId55"/>
     <p:sldId id="348" r:id="rId56"/>
-    <p:sldId id="356" r:id="rId57"/>
+    <p:sldId id="399" r:id="rId57"/>
     <p:sldId id="357" r:id="rId58"/>
     <p:sldId id="384" r:id="rId59"/>
     <p:sldId id="362" r:id="rId60"/>
@@ -79,7 +79,7 @@
     <p:sldId id="389" r:id="rId70"/>
     <p:sldId id="383" r:id="rId71"/>
     <p:sldId id="391" r:id="rId72"/>
-    <p:sldId id="392" r:id="rId73"/>
+    <p:sldId id="400" r:id="rId73"/>
     <p:sldId id="394" r:id="rId74"/>
     <p:sldId id="306" r:id="rId75"/>
     <p:sldId id="395" r:id="rId76"/>
@@ -276,7 +276,7 @@
           <a:p>
             <a:fld id="{C333ABA6-B72D-4ED4-A6E7-13A0DAE65F1A}" type="datetimeFigureOut">
               <a:rPr lang="en-US" smtClean="0"/>
-              <a:t>7/22/2018</a:t>
+              <a:t>7/23/2018</a:t>
             </a:fld>
             <a:endParaRPr lang="en-US"/>
           </a:p>
@@ -1263,7 +1263,7 @@
           <a:p>
             <a:fld id="{5738B90E-0779-4C36-915C-6F05FCD89456}" type="datetime1">
               <a:rPr lang="en-US" smtClean="0"/>
-              <a:t>7/22/2018</a:t>
+              <a:t>7/23/2018</a:t>
             </a:fld>
             <a:endParaRPr lang="en-US"/>
           </a:p>
@@ -1481,7 +1481,7 @@
           <a:p>
             <a:fld id="{7B9EA29D-D431-42FE-B7B6-AAE4454C77D3}" type="datetime1">
               <a:rPr lang="en-US" smtClean="0"/>
-              <a:t>7/22/2018</a:t>
+              <a:t>7/23/2018</a:t>
             </a:fld>
             <a:endParaRPr lang="en-US"/>
           </a:p>
@@ -1741,7 +1741,7 @@
           <a:p>
             <a:fld id="{690D8A1E-EA8F-46C1-B891-AE0C00D9C314}" type="datetime1">
               <a:rPr lang="en-US" smtClean="0"/>
-              <a:t>7/22/2018</a:t>
+              <a:t>7/23/2018</a:t>
             </a:fld>
             <a:endParaRPr lang="en-US"/>
           </a:p>
@@ -2035,7 +2035,7 @@
           <a:p>
             <a:fld id="{D753EFC8-4232-4598-94F6-94C0EBAFC469}" type="datetime1">
               <a:rPr lang="en-US" smtClean="0"/>
-              <a:t>7/22/2018</a:t>
+              <a:t>7/23/2018</a:t>
             </a:fld>
             <a:endParaRPr lang="en-US"/>
           </a:p>
@@ -2350,7 +2350,7 @@
           <a:p>
             <a:fld id="{F3161074-1C18-4AE7-957D-F18524378C85}" type="datetime1">
               <a:rPr lang="en-US" smtClean="0"/>
-              <a:t>7/22/2018</a:t>
+              <a:t>7/23/2018</a:t>
             </a:fld>
             <a:endParaRPr lang="en-US"/>
           </a:p>
@@ -2624,7 +2624,7 @@
           <a:p>
             <a:fld id="{69BE256C-8D9A-4404-B47D-41A1AE514425}" type="datetime1">
               <a:rPr lang="en-US" smtClean="0"/>
-              <a:t>7/22/2018</a:t>
+              <a:t>7/23/2018</a:t>
             </a:fld>
             <a:endParaRPr lang="en-US"/>
           </a:p>
@@ -3058,7 +3058,7 @@
           <a:p>
             <a:fld id="{66CB2154-9035-4012-8189-BAAB61C5A5EE}" type="datetime1">
               <a:rPr lang="en-US" smtClean="0"/>
-              <a:t>7/22/2018</a:t>
+              <a:t>7/23/2018</a:t>
             </a:fld>
             <a:endParaRPr lang="en-US"/>
           </a:p>
@@ -3232,7 +3232,7 @@
           <a:p>
             <a:fld id="{6700A58B-DD98-43D0-B791-721480A02982}" type="datetime1">
               <a:rPr lang="en-US" smtClean="0"/>
-              <a:t>7/22/2018</a:t>
+              <a:t>7/23/2018</a:t>
             </a:fld>
             <a:endParaRPr lang="en-US"/>
           </a:p>
@@ -3424,7 +3424,7 @@
           <a:p>
             <a:fld id="{7DB6E382-4F61-4E24-BE1A-377EC83D0E3A}" type="datetime1">
               <a:rPr lang="en-US" smtClean="0"/>
-              <a:t>7/22/2018</a:t>
+              <a:t>7/23/2018</a:t>
             </a:fld>
             <a:endParaRPr lang="en-US"/>
           </a:p>
@@ -3735,7 +3735,7 @@
           <a:p>
             <a:fld id="{4142EED6-FC16-45B9-B8C4-2BC5DBA88325}" type="datetime1">
               <a:rPr lang="en-US" smtClean="0"/>
-              <a:t>7/22/2018</a:t>
+              <a:t>7/23/2018</a:t>
             </a:fld>
             <a:endParaRPr lang="en-US"/>
           </a:p>
@@ -4053,7 +4053,7 @@
           <a:p>
             <a:fld id="{DF59512B-4F1D-43D7-8819-2F53FEF69650}" type="datetime1">
               <a:rPr lang="en-US" smtClean="0"/>
-              <a:t>7/22/2018</a:t>
+              <a:t>7/23/2018</a:t>
             </a:fld>
             <a:endParaRPr lang="en-US"/>
           </a:p>
@@ -4329,7 +4329,7 @@
           <a:p>
             <a:fld id="{08437B94-E2BF-44DC-ADC5-B05FC9934E9D}" type="datetime1">
               <a:rPr lang="en-US" smtClean="0"/>
-              <a:t>7/22/2018</a:t>
+              <a:t>7/23/2018</a:t>
             </a:fld>
             <a:endParaRPr lang="en-US"/>
           </a:p>
@@ -4778,7 +4778,7 @@
           <p:cNvPr id="2" name="Title 1">
             <a:extLst>
               <a:ext uri="{FF2B5EF4-FFF2-40B4-BE49-F238E27FC236}">
-                <a16:creationId xmlns:a16="http://schemas.microsoft.com/office/drawing/2014/main" xmlns="" id="{223FF278-3A5B-44F8-9DCA-4293CA7C44DD}"/>
+                <a16:creationId xmlns="" xmlns:a16="http://schemas.microsoft.com/office/drawing/2014/main" id="{223FF278-3A5B-44F8-9DCA-4293CA7C44DD}"/>
               </a:ext>
             </a:extLst>
           </p:cNvPr>
@@ -4806,7 +4806,7 @@
           <p:cNvPr id="3" name="Text Placeholder 2">
             <a:extLst>
               <a:ext uri="{FF2B5EF4-FFF2-40B4-BE49-F238E27FC236}">
-                <a16:creationId xmlns:a16="http://schemas.microsoft.com/office/drawing/2014/main" xmlns="" id="{0BA52E92-473C-4CB8-998E-1DCAAAC10785}"/>
+                <a16:creationId xmlns="" xmlns:a16="http://schemas.microsoft.com/office/drawing/2014/main" id="{0BA52E92-473C-4CB8-998E-1DCAAAC10785}"/>
               </a:ext>
             </a:extLst>
           </p:cNvPr>
@@ -4831,7 +4831,7 @@
           <p:cNvPr id="4" name="Date Placeholder 3">
             <a:extLst>
               <a:ext uri="{FF2B5EF4-FFF2-40B4-BE49-F238E27FC236}">
-                <a16:creationId xmlns:a16="http://schemas.microsoft.com/office/drawing/2014/main" xmlns="" id="{C1BFFD1B-D36D-40D0-A49A-3132AB756CCB}"/>
+                <a16:creationId xmlns="" xmlns:a16="http://schemas.microsoft.com/office/drawing/2014/main" id="{C1BFFD1B-D36D-40D0-A49A-3132AB756CCB}"/>
               </a:ext>
             </a:extLst>
           </p:cNvPr>
@@ -4849,7 +4849,7 @@
           <a:p>
             <a:fld id="{F3161074-1C18-4AE7-957D-F18524378C85}" type="datetime1">
               <a:rPr lang="en-US" smtClean="0"/>
-              <a:t>7/22/2018</a:t>
+              <a:t>7/23/2018</a:t>
             </a:fld>
             <a:endParaRPr lang="en-US"/>
           </a:p>
@@ -4860,7 +4860,7 @@
           <p:cNvPr id="5" name="Slide Number Placeholder 4">
             <a:extLst>
               <a:ext uri="{FF2B5EF4-FFF2-40B4-BE49-F238E27FC236}">
-                <a16:creationId xmlns:a16="http://schemas.microsoft.com/office/drawing/2014/main" xmlns="" id="{0C8E71AB-0020-4F74-93A4-9D0EA5788AC5}"/>
+                <a16:creationId xmlns="" xmlns:a16="http://schemas.microsoft.com/office/drawing/2014/main" id="{0C8E71AB-0020-4F74-93A4-9D0EA5788AC5}"/>
               </a:ext>
             </a:extLst>
           </p:cNvPr>
@@ -4889,7 +4889,7 @@
           <p:cNvPr id="6" name="Footer Placeholder 5">
             <a:extLst>
               <a:ext uri="{FF2B5EF4-FFF2-40B4-BE49-F238E27FC236}">
-                <a16:creationId xmlns:a16="http://schemas.microsoft.com/office/drawing/2014/main" xmlns="" id="{E05FF79E-1D78-423E-BA08-2C16C5541A5A}"/>
+                <a16:creationId xmlns="" xmlns:a16="http://schemas.microsoft.com/office/drawing/2014/main" id="{E05FF79E-1D78-423E-BA08-2C16C5541A5A}"/>
               </a:ext>
             </a:extLst>
           </p:cNvPr>
@@ -4948,7 +4948,7 @@
           <p:cNvPr id="2" name="Date Placeholder 1">
             <a:extLst>
               <a:ext uri="{FF2B5EF4-FFF2-40B4-BE49-F238E27FC236}">
-                <a16:creationId xmlns:a16="http://schemas.microsoft.com/office/drawing/2014/main" xmlns="" id="{A2E8B3EC-A6EA-4A9A-BD50-A449FD12F7F4}"/>
+                <a16:creationId xmlns="" xmlns:a16="http://schemas.microsoft.com/office/drawing/2014/main" id="{A2E8B3EC-A6EA-4A9A-BD50-A449FD12F7F4}"/>
               </a:ext>
             </a:extLst>
           </p:cNvPr>
@@ -4966,7 +4966,7 @@
           <a:p>
             <a:fld id="{6700A58B-DD98-43D0-B791-721480A02982}" type="datetime1">
               <a:rPr lang="en-US" smtClean="0"/>
-              <a:t>7/22/2018</a:t>
+              <a:t>7/23/2018</a:t>
             </a:fld>
             <a:endParaRPr lang="en-US"/>
           </a:p>
@@ -4977,7 +4977,7 @@
           <p:cNvPr id="3" name="Title 2">
             <a:extLst>
               <a:ext uri="{FF2B5EF4-FFF2-40B4-BE49-F238E27FC236}">
-                <a16:creationId xmlns:a16="http://schemas.microsoft.com/office/drawing/2014/main" xmlns="" id="{71404D07-3084-4BF1-86CD-528694A3F97E}"/>
+                <a16:creationId xmlns="" xmlns:a16="http://schemas.microsoft.com/office/drawing/2014/main" id="{71404D07-3084-4BF1-86CD-528694A3F97E}"/>
               </a:ext>
             </a:extLst>
           </p:cNvPr>
@@ -5005,7 +5005,7 @@
           <p:cNvPr id="4" name="Slide Number Placeholder 3">
             <a:extLst>
               <a:ext uri="{FF2B5EF4-FFF2-40B4-BE49-F238E27FC236}">
-                <a16:creationId xmlns:a16="http://schemas.microsoft.com/office/drawing/2014/main" xmlns="" id="{38BB0945-95C9-49F8-B9E6-A34EBFF699A1}"/>
+                <a16:creationId xmlns="" xmlns:a16="http://schemas.microsoft.com/office/drawing/2014/main" id="{38BB0945-95C9-49F8-B9E6-A34EBFF699A1}"/>
               </a:ext>
             </a:extLst>
           </p:cNvPr>
@@ -5034,7 +5034,7 @@
           <p:cNvPr id="5" name="Footer Placeholder 4">
             <a:extLst>
               <a:ext uri="{FF2B5EF4-FFF2-40B4-BE49-F238E27FC236}">
-                <a16:creationId xmlns:a16="http://schemas.microsoft.com/office/drawing/2014/main" xmlns="" id="{0B87E7B9-D417-40B8-BA6F-DE7BA6BD7E75}"/>
+                <a16:creationId xmlns="" xmlns:a16="http://schemas.microsoft.com/office/drawing/2014/main" id="{0B87E7B9-D417-40B8-BA6F-DE7BA6BD7E75}"/>
               </a:ext>
             </a:extLst>
           </p:cNvPr>
@@ -5063,7 +5063,7 @@
           <p:cNvPr id="6" name="Picture 5">
             <a:extLst>
               <a:ext uri="{FF2B5EF4-FFF2-40B4-BE49-F238E27FC236}">
-                <a16:creationId xmlns:a16="http://schemas.microsoft.com/office/drawing/2014/main" xmlns="" id="{8AB4C213-F430-4405-AF10-D51930084188}"/>
+                <a16:creationId xmlns="" xmlns:a16="http://schemas.microsoft.com/office/drawing/2014/main" id="{8AB4C213-F430-4405-AF10-D51930084188}"/>
               </a:ext>
             </a:extLst>
           </p:cNvPr>
@@ -5101,7 +5101,7 @@
           <p:cNvPr id="7" name="Content Placeholder 2">
             <a:extLst>
               <a:ext uri="{FF2B5EF4-FFF2-40B4-BE49-F238E27FC236}">
-                <a16:creationId xmlns:a16="http://schemas.microsoft.com/office/drawing/2014/main" xmlns="" id="{3238EDDF-C9E2-41DF-AAE5-8E0F2B87C33C}"/>
+                <a16:creationId xmlns="" xmlns:a16="http://schemas.microsoft.com/office/drawing/2014/main" id="{3238EDDF-C9E2-41DF-AAE5-8E0F2B87C33C}"/>
               </a:ext>
             </a:extLst>
           </p:cNvPr>
@@ -5359,7 +5359,7 @@
           <p:cNvPr id="2" name="Date Placeholder 1">
             <a:extLst>
               <a:ext uri="{FF2B5EF4-FFF2-40B4-BE49-F238E27FC236}">
-                <a16:creationId xmlns:a16="http://schemas.microsoft.com/office/drawing/2014/main" xmlns="" id="{1446CF81-18DA-4882-8542-7FA528C6881D}"/>
+                <a16:creationId xmlns="" xmlns:a16="http://schemas.microsoft.com/office/drawing/2014/main" id="{1446CF81-18DA-4882-8542-7FA528C6881D}"/>
               </a:ext>
             </a:extLst>
           </p:cNvPr>
@@ -5377,7 +5377,7 @@
           <a:p>
             <a:fld id="{6700A58B-DD98-43D0-B791-721480A02982}" type="datetime1">
               <a:rPr lang="en-US" smtClean="0"/>
-              <a:t>7/22/2018</a:t>
+              <a:t>7/23/2018</a:t>
             </a:fld>
             <a:endParaRPr lang="en-US"/>
           </a:p>
@@ -5388,7 +5388,7 @@
           <p:cNvPr id="3" name="Title 2">
             <a:extLst>
               <a:ext uri="{FF2B5EF4-FFF2-40B4-BE49-F238E27FC236}">
-                <a16:creationId xmlns:a16="http://schemas.microsoft.com/office/drawing/2014/main" xmlns="" id="{614E3173-1F1E-4CF3-A763-737C0F4A4EA7}"/>
+                <a16:creationId xmlns="" xmlns:a16="http://schemas.microsoft.com/office/drawing/2014/main" id="{614E3173-1F1E-4CF3-A763-737C0F4A4EA7}"/>
               </a:ext>
             </a:extLst>
           </p:cNvPr>
@@ -5416,7 +5416,7 @@
           <p:cNvPr id="4" name="Slide Number Placeholder 3">
             <a:extLst>
               <a:ext uri="{FF2B5EF4-FFF2-40B4-BE49-F238E27FC236}">
-                <a16:creationId xmlns:a16="http://schemas.microsoft.com/office/drawing/2014/main" xmlns="" id="{C84D43DA-DA54-4A2F-AFA1-93EE114DE9F2}"/>
+                <a16:creationId xmlns="" xmlns:a16="http://schemas.microsoft.com/office/drawing/2014/main" id="{C84D43DA-DA54-4A2F-AFA1-93EE114DE9F2}"/>
               </a:ext>
             </a:extLst>
           </p:cNvPr>
@@ -5445,7 +5445,7 @@
           <p:cNvPr id="5" name="Footer Placeholder 4">
             <a:extLst>
               <a:ext uri="{FF2B5EF4-FFF2-40B4-BE49-F238E27FC236}">
-                <a16:creationId xmlns:a16="http://schemas.microsoft.com/office/drawing/2014/main" xmlns="" id="{EE31643D-3082-4F21-9828-946838B0DBFB}"/>
+                <a16:creationId xmlns="" xmlns:a16="http://schemas.microsoft.com/office/drawing/2014/main" id="{EE31643D-3082-4F21-9828-946838B0DBFB}"/>
               </a:ext>
             </a:extLst>
           </p:cNvPr>
@@ -5474,7 +5474,7 @@
           <p:cNvPr id="7" name="TextBox 6">
             <a:extLst>
               <a:ext uri="{FF2B5EF4-FFF2-40B4-BE49-F238E27FC236}">
-                <a16:creationId xmlns:a16="http://schemas.microsoft.com/office/drawing/2014/main" xmlns="" id="{709878E9-7B9E-4E44-B365-5CC9BC94906B}"/>
+                <a16:creationId xmlns="" xmlns:a16="http://schemas.microsoft.com/office/drawing/2014/main" id="{709878E9-7B9E-4E44-B365-5CC9BC94906B}"/>
               </a:ext>
             </a:extLst>
           </p:cNvPr>
@@ -5533,7 +5533,7 @@
           <p:cNvPr id="6" name="Picture 5">
             <a:extLst>
               <a:ext uri="{FF2B5EF4-FFF2-40B4-BE49-F238E27FC236}">
-                <a16:creationId xmlns:a16="http://schemas.microsoft.com/office/drawing/2014/main" xmlns="" id="{4D9F30B6-F781-4F9F-A682-E0BD1E45FE16}"/>
+                <a16:creationId xmlns="" xmlns:a16="http://schemas.microsoft.com/office/drawing/2014/main" id="{4D9F30B6-F781-4F9F-A682-E0BD1E45FE16}"/>
               </a:ext>
             </a:extLst>
           </p:cNvPr>
@@ -5593,7 +5593,7 @@
           <p:cNvPr id="2" name="Date Placeholder 1">
             <a:extLst>
               <a:ext uri="{FF2B5EF4-FFF2-40B4-BE49-F238E27FC236}">
-                <a16:creationId xmlns:a16="http://schemas.microsoft.com/office/drawing/2014/main" xmlns="" id="{1446CF81-18DA-4882-8542-7FA528C6881D}"/>
+                <a16:creationId xmlns="" xmlns:a16="http://schemas.microsoft.com/office/drawing/2014/main" id="{1446CF81-18DA-4882-8542-7FA528C6881D}"/>
               </a:ext>
             </a:extLst>
           </p:cNvPr>
@@ -5611,7 +5611,7 @@
           <a:p>
             <a:fld id="{6700A58B-DD98-43D0-B791-721480A02982}" type="datetime1">
               <a:rPr lang="en-US" smtClean="0"/>
-              <a:t>7/22/2018</a:t>
+              <a:t>7/23/2018</a:t>
             </a:fld>
             <a:endParaRPr lang="en-US"/>
           </a:p>
@@ -5622,7 +5622,7 @@
           <p:cNvPr id="3" name="Title 2">
             <a:extLst>
               <a:ext uri="{FF2B5EF4-FFF2-40B4-BE49-F238E27FC236}">
-                <a16:creationId xmlns:a16="http://schemas.microsoft.com/office/drawing/2014/main" xmlns="" id="{614E3173-1F1E-4CF3-A763-737C0F4A4EA7}"/>
+                <a16:creationId xmlns="" xmlns:a16="http://schemas.microsoft.com/office/drawing/2014/main" id="{614E3173-1F1E-4CF3-A763-737C0F4A4EA7}"/>
               </a:ext>
             </a:extLst>
           </p:cNvPr>
@@ -5650,7 +5650,7 @@
           <p:cNvPr id="4" name="Slide Number Placeholder 3">
             <a:extLst>
               <a:ext uri="{FF2B5EF4-FFF2-40B4-BE49-F238E27FC236}">
-                <a16:creationId xmlns:a16="http://schemas.microsoft.com/office/drawing/2014/main" xmlns="" id="{C84D43DA-DA54-4A2F-AFA1-93EE114DE9F2}"/>
+                <a16:creationId xmlns="" xmlns:a16="http://schemas.microsoft.com/office/drawing/2014/main" id="{C84D43DA-DA54-4A2F-AFA1-93EE114DE9F2}"/>
               </a:ext>
             </a:extLst>
           </p:cNvPr>
@@ -5679,7 +5679,7 @@
           <p:cNvPr id="5" name="Footer Placeholder 4">
             <a:extLst>
               <a:ext uri="{FF2B5EF4-FFF2-40B4-BE49-F238E27FC236}">
-                <a16:creationId xmlns:a16="http://schemas.microsoft.com/office/drawing/2014/main" xmlns="" id="{EE31643D-3082-4F21-9828-946838B0DBFB}"/>
+                <a16:creationId xmlns="" xmlns:a16="http://schemas.microsoft.com/office/drawing/2014/main" id="{EE31643D-3082-4F21-9828-946838B0DBFB}"/>
               </a:ext>
             </a:extLst>
           </p:cNvPr>
@@ -5708,7 +5708,7 @@
           <p:cNvPr id="7" name="TextBox 6">
             <a:extLst>
               <a:ext uri="{FF2B5EF4-FFF2-40B4-BE49-F238E27FC236}">
-                <a16:creationId xmlns:a16="http://schemas.microsoft.com/office/drawing/2014/main" xmlns="" id="{709878E9-7B9E-4E44-B365-5CC9BC94906B}"/>
+                <a16:creationId xmlns="" xmlns:a16="http://schemas.microsoft.com/office/drawing/2014/main" id="{709878E9-7B9E-4E44-B365-5CC9BC94906B}"/>
               </a:ext>
             </a:extLst>
           </p:cNvPr>
@@ -5775,7 +5775,7 @@
           <p:cNvPr id="8" name="Picture 7">
             <a:extLst>
               <a:ext uri="{FF2B5EF4-FFF2-40B4-BE49-F238E27FC236}">
-                <a16:creationId xmlns:a16="http://schemas.microsoft.com/office/drawing/2014/main" xmlns="" id="{99079329-3AED-4937-A9A0-10ED9AC598A6}"/>
+                <a16:creationId xmlns="" xmlns:a16="http://schemas.microsoft.com/office/drawing/2014/main" id="{99079329-3AED-4937-A9A0-10ED9AC598A6}"/>
               </a:ext>
             </a:extLst>
           </p:cNvPr>
@@ -5834,7 +5834,7 @@
           <p:cNvPr id="2" name="Date Placeholder 1">
             <a:extLst>
               <a:ext uri="{FF2B5EF4-FFF2-40B4-BE49-F238E27FC236}">
-                <a16:creationId xmlns:a16="http://schemas.microsoft.com/office/drawing/2014/main" xmlns="" id="{1446CF81-18DA-4882-8542-7FA528C6881D}"/>
+                <a16:creationId xmlns="" xmlns:a16="http://schemas.microsoft.com/office/drawing/2014/main" id="{1446CF81-18DA-4882-8542-7FA528C6881D}"/>
               </a:ext>
             </a:extLst>
           </p:cNvPr>
@@ -5852,7 +5852,7 @@
           <a:p>
             <a:fld id="{6700A58B-DD98-43D0-B791-721480A02982}" type="datetime1">
               <a:rPr lang="en-US" smtClean="0"/>
-              <a:t>7/22/2018</a:t>
+              <a:t>7/23/2018</a:t>
             </a:fld>
             <a:endParaRPr lang="en-US"/>
           </a:p>
@@ -5863,7 +5863,7 @@
           <p:cNvPr id="3" name="Title 2">
             <a:extLst>
               <a:ext uri="{FF2B5EF4-FFF2-40B4-BE49-F238E27FC236}">
-                <a16:creationId xmlns:a16="http://schemas.microsoft.com/office/drawing/2014/main" xmlns="" id="{614E3173-1F1E-4CF3-A763-737C0F4A4EA7}"/>
+                <a16:creationId xmlns="" xmlns:a16="http://schemas.microsoft.com/office/drawing/2014/main" id="{614E3173-1F1E-4CF3-A763-737C0F4A4EA7}"/>
               </a:ext>
             </a:extLst>
           </p:cNvPr>
@@ -5891,7 +5891,7 @@
           <p:cNvPr id="4" name="Slide Number Placeholder 3">
             <a:extLst>
               <a:ext uri="{FF2B5EF4-FFF2-40B4-BE49-F238E27FC236}">
-                <a16:creationId xmlns:a16="http://schemas.microsoft.com/office/drawing/2014/main" xmlns="" id="{C84D43DA-DA54-4A2F-AFA1-93EE114DE9F2}"/>
+                <a16:creationId xmlns="" xmlns:a16="http://schemas.microsoft.com/office/drawing/2014/main" id="{C84D43DA-DA54-4A2F-AFA1-93EE114DE9F2}"/>
               </a:ext>
             </a:extLst>
           </p:cNvPr>
@@ -5920,7 +5920,7 @@
           <p:cNvPr id="5" name="Footer Placeholder 4">
             <a:extLst>
               <a:ext uri="{FF2B5EF4-FFF2-40B4-BE49-F238E27FC236}">
-                <a16:creationId xmlns:a16="http://schemas.microsoft.com/office/drawing/2014/main" xmlns="" id="{EE31643D-3082-4F21-9828-946838B0DBFB}"/>
+                <a16:creationId xmlns="" xmlns:a16="http://schemas.microsoft.com/office/drawing/2014/main" id="{EE31643D-3082-4F21-9828-946838B0DBFB}"/>
               </a:ext>
             </a:extLst>
           </p:cNvPr>
@@ -5949,7 +5949,7 @@
           <p:cNvPr id="7" name="TextBox 6">
             <a:extLst>
               <a:ext uri="{FF2B5EF4-FFF2-40B4-BE49-F238E27FC236}">
-                <a16:creationId xmlns:a16="http://schemas.microsoft.com/office/drawing/2014/main" xmlns="" id="{709878E9-7B9E-4E44-B365-5CC9BC94906B}"/>
+                <a16:creationId xmlns="" xmlns:a16="http://schemas.microsoft.com/office/drawing/2014/main" id="{709878E9-7B9E-4E44-B365-5CC9BC94906B}"/>
               </a:ext>
             </a:extLst>
           </p:cNvPr>
@@ -6016,7 +6016,7 @@
           <p:cNvPr id="6" name="Picture 5">
             <a:extLst>
               <a:ext uri="{FF2B5EF4-FFF2-40B4-BE49-F238E27FC236}">
-                <a16:creationId xmlns:a16="http://schemas.microsoft.com/office/drawing/2014/main" xmlns="" id="{4D9F30B6-F781-4F9F-A682-E0BD1E45FE16}"/>
+                <a16:creationId xmlns="" xmlns:a16="http://schemas.microsoft.com/office/drawing/2014/main" id="{4D9F30B6-F781-4F9F-A682-E0BD1E45FE16}"/>
               </a:ext>
             </a:extLst>
           </p:cNvPr>
@@ -6046,7 +6046,7 @@
           <p:cNvPr id="9" name="Straight Arrow Connector 8">
             <a:extLst>
               <a:ext uri="{FF2B5EF4-FFF2-40B4-BE49-F238E27FC236}">
-                <a16:creationId xmlns:a16="http://schemas.microsoft.com/office/drawing/2014/main" xmlns="" id="{AE6B1A81-D206-4C60-A13A-401B148C6F40}"/>
+                <a16:creationId xmlns="" xmlns:a16="http://schemas.microsoft.com/office/drawing/2014/main" id="{AE6B1A81-D206-4C60-A13A-401B148C6F40}"/>
               </a:ext>
             </a:extLst>
           </p:cNvPr>
@@ -6085,7 +6085,7 @@
           <p:cNvPr id="11" name="Straight Arrow Connector 10">
             <a:extLst>
               <a:ext uri="{FF2B5EF4-FFF2-40B4-BE49-F238E27FC236}">
-                <a16:creationId xmlns:a16="http://schemas.microsoft.com/office/drawing/2014/main" xmlns="" id="{5324CA85-364D-4FE3-A5DF-7C92F07D1214}"/>
+                <a16:creationId xmlns="" xmlns:a16="http://schemas.microsoft.com/office/drawing/2014/main" id="{5324CA85-364D-4FE3-A5DF-7C92F07D1214}"/>
               </a:ext>
             </a:extLst>
           </p:cNvPr>
@@ -6334,7 +6334,7 @@
             <p:cNvPr id="2" name="Picture 1">
               <a:extLst>
                 <a:ext uri="{FF2B5EF4-FFF2-40B4-BE49-F238E27FC236}">
-                  <a16:creationId xmlns:a16="http://schemas.microsoft.com/office/drawing/2014/main" xmlns="" id="{0A72F1A8-6303-4C5B-829A-D5D8B8D0A219}"/>
+                  <a16:creationId xmlns="" xmlns:a16="http://schemas.microsoft.com/office/drawing/2014/main" id="{0A72F1A8-6303-4C5B-829A-D5D8B8D0A219}"/>
                 </a:ext>
               </a:extLst>
             </p:cNvPr>
@@ -6369,7 +6369,7 @@
             <p:cNvPr id="3" name="Oval 2">
               <a:extLst>
                 <a:ext uri="{FF2B5EF4-FFF2-40B4-BE49-F238E27FC236}">
-                  <a16:creationId xmlns:a16="http://schemas.microsoft.com/office/drawing/2014/main" xmlns="" id="{4D11CEEC-FA26-4A6F-8495-0972C5118DCA}"/>
+                  <a16:creationId xmlns="" xmlns:a16="http://schemas.microsoft.com/office/drawing/2014/main" id="{4D11CEEC-FA26-4A6F-8495-0972C5118DCA}"/>
                 </a:ext>
               </a:extLst>
             </p:cNvPr>
@@ -6421,7 +6421,7 @@
             <p:cNvPr id="6" name="Oval 5">
               <a:extLst>
                 <a:ext uri="{FF2B5EF4-FFF2-40B4-BE49-F238E27FC236}">
-                  <a16:creationId xmlns:a16="http://schemas.microsoft.com/office/drawing/2014/main" xmlns="" id="{2ACB0B4D-22F3-4F5C-8250-3471DC522CAA}"/>
+                  <a16:creationId xmlns="" xmlns:a16="http://schemas.microsoft.com/office/drawing/2014/main" id="{2ACB0B4D-22F3-4F5C-8250-3471DC522CAA}"/>
                 </a:ext>
               </a:extLst>
             </p:cNvPr>
@@ -6473,7 +6473,7 @@
             <p:cNvPr id="7" name="Oval 6">
               <a:extLst>
                 <a:ext uri="{FF2B5EF4-FFF2-40B4-BE49-F238E27FC236}">
-                  <a16:creationId xmlns:a16="http://schemas.microsoft.com/office/drawing/2014/main" xmlns="" id="{75E2F94F-6FB8-42DE-B256-73C9C45C50FA}"/>
+                  <a16:creationId xmlns="" xmlns:a16="http://schemas.microsoft.com/office/drawing/2014/main" id="{75E2F94F-6FB8-42DE-B256-73C9C45C50FA}"/>
                 </a:ext>
               </a:extLst>
             </p:cNvPr>
@@ -6525,7 +6525,7 @@
             <p:cNvPr id="4" name="Rectangle 3">
               <a:extLst>
                 <a:ext uri="{FF2B5EF4-FFF2-40B4-BE49-F238E27FC236}">
-                  <a16:creationId xmlns:a16="http://schemas.microsoft.com/office/drawing/2014/main" xmlns="" id="{452D27B2-1D9E-441F-BDC5-3DD825C7C45E}"/>
+                  <a16:creationId xmlns="" xmlns:a16="http://schemas.microsoft.com/office/drawing/2014/main" id="{452D27B2-1D9E-441F-BDC5-3DD825C7C45E}"/>
                 </a:ext>
               </a:extLst>
             </p:cNvPr>
@@ -6577,7 +6577,7 @@
             <p:cNvPr id="9" name="Rectangle 8">
               <a:extLst>
                 <a:ext uri="{FF2B5EF4-FFF2-40B4-BE49-F238E27FC236}">
-                  <a16:creationId xmlns:a16="http://schemas.microsoft.com/office/drawing/2014/main" xmlns="" id="{52286D24-7939-45C7-A62F-4615E026705B}"/>
+                  <a16:creationId xmlns="" xmlns:a16="http://schemas.microsoft.com/office/drawing/2014/main" id="{52286D24-7939-45C7-A62F-4615E026705B}"/>
                 </a:ext>
               </a:extLst>
             </p:cNvPr>
@@ -6630,7 +6630,7 @@
           <p:cNvPr id="5" name="TextBox 4">
             <a:extLst>
               <a:ext uri="{FF2B5EF4-FFF2-40B4-BE49-F238E27FC236}">
-                <a16:creationId xmlns:a16="http://schemas.microsoft.com/office/drawing/2014/main" xmlns="" id="{991B942D-3A76-4E99-B8FE-8017F665948F}"/>
+                <a16:creationId xmlns="" xmlns:a16="http://schemas.microsoft.com/office/drawing/2014/main" id="{991B942D-3A76-4E99-B8FE-8017F665948F}"/>
               </a:ext>
             </a:extLst>
           </p:cNvPr>
@@ -6827,7 +6827,7 @@
           <a:p>
             <a:fld id="{6700A58B-DD98-43D0-B791-721480A02982}" type="datetime1">
               <a:rPr lang="en-US" smtClean="0"/>
-              <a:t>7/22/2018</a:t>
+              <a:t>7/23/2018</a:t>
             </a:fld>
             <a:endParaRPr lang="en-US"/>
           </a:p>
@@ -8780,7 +8780,7 @@
             <p:ph idx="1"/>
             <p:extLst>
               <p:ext uri="{D42A27DB-BD31-4B8C-83A1-F6EECF244321}">
-                <p14:modId xmlns:p14="http://schemas.microsoft.com/office/powerpoint/2010/main" val="3116107931"/>
+                <p14:modId xmlns:p14="http://schemas.microsoft.com/office/powerpoint/2010/main" val="4254039153"/>
               </p:ext>
             </p:extLst>
           </p:nvPr>
@@ -8799,21 +8799,21 @@
                 <a:gridCol w="1242805">
                   <a:extLst>
                     <a:ext uri="{9D8B030D-6E8A-4147-A177-3AD203B41FA5}">
-                      <a16:colId xmlns:a16="http://schemas.microsoft.com/office/drawing/2014/main" xmlns="" val="20000"/>
+                      <a16:colId xmlns="" xmlns:a16="http://schemas.microsoft.com/office/drawing/2014/main" val="20000"/>
                     </a:ext>
                   </a:extLst>
                 </a:gridCol>
                 <a:gridCol w="861296">
                   <a:extLst>
                     <a:ext uri="{9D8B030D-6E8A-4147-A177-3AD203B41FA5}">
-                      <a16:colId xmlns:a16="http://schemas.microsoft.com/office/drawing/2014/main" xmlns="" val="20001"/>
+                      <a16:colId xmlns="" xmlns:a16="http://schemas.microsoft.com/office/drawing/2014/main" val="20001"/>
                     </a:ext>
                   </a:extLst>
                 </a:gridCol>
                 <a:gridCol w="5811174">
                   <a:extLst>
                     <a:ext uri="{9D8B030D-6E8A-4147-A177-3AD203B41FA5}">
-                      <a16:colId xmlns:a16="http://schemas.microsoft.com/office/drawing/2014/main" xmlns="" val="20002"/>
+                      <a16:colId xmlns="" xmlns:a16="http://schemas.microsoft.com/office/drawing/2014/main" val="20002"/>
                     </a:ext>
                   </a:extLst>
                 </a:gridCol>
@@ -8862,7 +8862,7 @@
                 </a:tc>
                 <a:extLst>
                   <a:ext uri="{0D108BD9-81ED-4DB2-BD59-A6C34878D82A}">
-                    <a16:rowId xmlns:a16="http://schemas.microsoft.com/office/drawing/2014/main" xmlns="" val="10000"/>
+                    <a16:rowId xmlns="" xmlns:a16="http://schemas.microsoft.com/office/drawing/2014/main" val="10000"/>
                   </a:ext>
                 </a:extLst>
               </a:tr>
@@ -8903,20 +8903,31 @@
                     <a:lstStyle/>
                     <a:p>
                       <a:r>
-                        <a:rPr lang="en-US" sz="2000" b="1" dirty="0">
+                        <a:rPr lang="en-US" sz="2000" kern="1200" dirty="0" smtClean="0">
                           <a:solidFill>
-                            <a:schemeClr val="accent1"/>
+                            <a:schemeClr val="dk1"/>
                           </a:solidFill>
+                          <a:latin typeface="+mn-lt"/>
+                          <a:ea typeface="+mn-ea"/>
+                          <a:cs typeface="+mn-cs"/>
                         </a:rPr>
-                        <a:t>Forecasting </a:t>
+                        <a:t>Homework Review – Roman</a:t>
                       </a:r>
+                      <a:endParaRPr lang="en-US" sz="2000" kern="1200" dirty="0">
+                        <a:solidFill>
+                          <a:schemeClr val="dk1"/>
+                        </a:solidFill>
+                        <a:latin typeface="+mn-lt"/>
+                        <a:ea typeface="+mn-ea"/>
+                        <a:cs typeface="+mn-cs"/>
+                      </a:endParaRPr>
                     </a:p>
                   </a:txBody>
                   <a:tcPr/>
                 </a:tc>
                 <a:extLst>
                   <a:ext uri="{0D108BD9-81ED-4DB2-BD59-A6C34878D82A}">
-                    <a16:rowId xmlns:a16="http://schemas.microsoft.com/office/drawing/2014/main" xmlns="" val="10001"/>
+                    <a16:rowId xmlns="" xmlns:a16="http://schemas.microsoft.com/office/drawing/2014/main" val="10001"/>
                   </a:ext>
                 </a:extLst>
               </a:tr>
@@ -8949,16 +8960,31 @@
                     <a:lstStyle/>
                     <a:p>
                       <a:r>
-                        <a:rPr lang="en-US" sz="2000" dirty="0"/>
-                        <a:t>Method A</a:t>
+                        <a:rPr lang="en-US" sz="2000" kern="1200" dirty="0" smtClean="0">
+                          <a:solidFill>
+                            <a:schemeClr val="dk1"/>
+                          </a:solidFill>
+                          <a:latin typeface="+mn-lt"/>
+                          <a:ea typeface="+mn-ea"/>
+                          <a:cs typeface="+mn-cs"/>
+                        </a:rPr>
+                        <a:t>Forecasting</a:t>
                       </a:r>
+                      <a:endParaRPr lang="en-US" sz="2000" kern="1200" dirty="0">
+                        <a:solidFill>
+                          <a:schemeClr val="dk1"/>
+                        </a:solidFill>
+                        <a:latin typeface="+mn-lt"/>
+                        <a:ea typeface="+mn-ea"/>
+                        <a:cs typeface="+mn-cs"/>
+                      </a:endParaRPr>
                     </a:p>
                   </a:txBody>
                   <a:tcPr/>
                 </a:tc>
                 <a:extLst>
                   <a:ext uri="{0D108BD9-81ED-4DB2-BD59-A6C34878D82A}">
-                    <a16:rowId xmlns:a16="http://schemas.microsoft.com/office/drawing/2014/main" xmlns="" val="10002"/>
+                    <a16:rowId xmlns="" xmlns:a16="http://schemas.microsoft.com/office/drawing/2014/main" val="10002"/>
                   </a:ext>
                 </a:extLst>
               </a:tr>
@@ -8991,16 +9017,17 @@
                     <a:lstStyle/>
                     <a:p>
                       <a:r>
-                        <a:rPr lang="en-US" sz="2000" dirty="0"/>
-                        <a:t>Method B</a:t>
+                        <a:rPr lang="en-US" sz="2000" dirty="0" smtClean="0"/>
+                        <a:t>Naïve</a:t>
                       </a:r>
+                      <a:endParaRPr lang="en-US" sz="2000" dirty="0"/>
                     </a:p>
                   </a:txBody>
                   <a:tcPr/>
                 </a:tc>
                 <a:extLst>
                   <a:ext uri="{0D108BD9-81ED-4DB2-BD59-A6C34878D82A}">
-                    <a16:rowId xmlns:a16="http://schemas.microsoft.com/office/drawing/2014/main" xmlns="" val="10003"/>
+                    <a16:rowId xmlns="" xmlns:a16="http://schemas.microsoft.com/office/drawing/2014/main" val="10003"/>
                   </a:ext>
                 </a:extLst>
               </a:tr>
@@ -9033,16 +9060,17 @@
                     <a:lstStyle/>
                     <a:p>
                       <a:r>
-                        <a:rPr lang="en-US" sz="2000" dirty="0"/>
-                        <a:t>Method C</a:t>
+                        <a:rPr lang="en-US" sz="2000" dirty="0" smtClean="0"/>
+                        <a:t>Time Series Decomposition</a:t>
                       </a:r>
+                      <a:endParaRPr lang="en-US" sz="2000" dirty="0"/>
                     </a:p>
                   </a:txBody>
                   <a:tcPr/>
                 </a:tc>
                 <a:extLst>
                   <a:ext uri="{0D108BD9-81ED-4DB2-BD59-A6C34878D82A}">
-                    <a16:rowId xmlns:a16="http://schemas.microsoft.com/office/drawing/2014/main" xmlns="" val="10004"/>
+                    <a16:rowId xmlns="" xmlns:a16="http://schemas.microsoft.com/office/drawing/2014/main" val="10004"/>
                   </a:ext>
                 </a:extLst>
               </a:tr>
@@ -9075,16 +9103,17 @@
                     <a:lstStyle/>
                     <a:p>
                       <a:r>
-                        <a:rPr lang="en-US" sz="2000" dirty="0"/>
-                        <a:t>Workforce Planning Example</a:t>
+                        <a:rPr lang="en-US" sz="2000" dirty="0" smtClean="0"/>
+                        <a:t>Holt Winters</a:t>
                       </a:r>
+                      <a:endParaRPr lang="en-US" sz="2000" dirty="0"/>
                     </a:p>
                   </a:txBody>
                   <a:tcPr/>
                 </a:tc>
                 <a:extLst>
                   <a:ext uri="{0D108BD9-81ED-4DB2-BD59-A6C34878D82A}">
-                    <a16:rowId xmlns:a16="http://schemas.microsoft.com/office/drawing/2014/main" xmlns="" val="10005"/>
+                    <a16:rowId xmlns="" xmlns:a16="http://schemas.microsoft.com/office/drawing/2014/main" val="10005"/>
                   </a:ext>
                 </a:extLst>
               </a:tr>
@@ -9116,6 +9145,10 @@
                     <a:bodyPr/>
                     <a:lstStyle/>
                     <a:p>
+                      <a:r>
+                        <a:rPr lang="en-US" sz="2000" dirty="0" smtClean="0"/>
+                        <a:t>Regression based forecasting</a:t>
+                      </a:r>
                       <a:endParaRPr lang="en-US" sz="2000" dirty="0"/>
                     </a:p>
                   </a:txBody>
@@ -9123,7 +9156,7 @@
                 </a:tc>
                 <a:extLst>
                   <a:ext uri="{0D108BD9-81ED-4DB2-BD59-A6C34878D82A}">
-                    <a16:rowId xmlns:a16="http://schemas.microsoft.com/office/drawing/2014/main" xmlns="" val="10006"/>
+                    <a16:rowId xmlns="" xmlns:a16="http://schemas.microsoft.com/office/drawing/2014/main" val="10006"/>
                   </a:ext>
                 </a:extLst>
               </a:tr>
@@ -9155,6 +9188,10 @@
                     <a:bodyPr/>
                     <a:lstStyle/>
                     <a:p>
+                      <a:r>
+                        <a:rPr lang="en-US" sz="2000" dirty="0" smtClean="0"/>
+                        <a:t>ARIMA (time permitting)</a:t>
+                      </a:r>
                       <a:endParaRPr lang="en-US" sz="2000" dirty="0"/>
                     </a:p>
                   </a:txBody>
@@ -9162,7 +9199,7 @@
                 </a:tc>
                 <a:extLst>
                   <a:ext uri="{0D108BD9-81ED-4DB2-BD59-A6C34878D82A}">
-                    <a16:rowId xmlns:a16="http://schemas.microsoft.com/office/drawing/2014/main" xmlns="" val="10007"/>
+                    <a16:rowId xmlns="" xmlns:a16="http://schemas.microsoft.com/office/drawing/2014/main" val="10007"/>
                   </a:ext>
                 </a:extLst>
               </a:tr>
@@ -9187,7 +9224,7 @@
           <a:p>
             <a:fld id="{9B19E99B-5349-415A-8E56-8E989211A366}" type="datetime1">
               <a:rPr lang="en-US" smtClean="0"/>
-              <a:t>7/22/2018</a:t>
+              <a:t>7/23/2018</a:t>
             </a:fld>
             <a:endParaRPr lang="en-US"/>
           </a:p>
@@ -9290,7 +9327,7 @@
           <a:graphicData uri="http://schemas.openxmlformats.org/presentationml/2006/ole">
             <mc:AlternateContent xmlns:mc="http://schemas.openxmlformats.org/markup-compatibility/2006">
               <mc:Choice xmlns:v="urn:schemas-microsoft-com:vml" Requires="v">
-                <p:oleObj spid="_x0000_s3111" name="think-cell Slide" r:id="rId5" imgW="270" imgH="270" progId="TCLayout.ActiveDocument.1">
+                <p:oleObj spid="_x0000_s3112" name="think-cell Slide" r:id="rId5" imgW="270" imgH="270" progId="TCLayout.ActiveDocument.1">
                   <p:embed/>
                 </p:oleObj>
               </mc:Choice>
@@ -9723,7 +9760,7 @@
           <a:graphicData uri="http://schemas.openxmlformats.org/presentationml/2006/ole">
             <mc:AlternateContent xmlns:mc="http://schemas.openxmlformats.org/markup-compatibility/2006">
               <mc:Choice xmlns:v="urn:schemas-microsoft-com:vml" Requires="v">
-                <p:oleObj spid="_x0000_s15394" name="think-cell Slide" r:id="rId5" imgW="270" imgH="270" progId="TCLayout.ActiveDocument.1">
+                <p:oleObj spid="_x0000_s15395" name="think-cell Slide" r:id="rId5" imgW="270" imgH="270" progId="TCLayout.ActiveDocument.1">
                   <p:embed/>
                 </p:oleObj>
               </mc:Choice>
@@ -10163,7 +10200,7 @@
           <a:p>
             <a:fld id="{D753EFC8-4232-4598-94F6-94C0EBAFC469}" type="datetime1">
               <a:rPr lang="en-US" smtClean="0"/>
-              <a:t>7/22/2018</a:t>
+              <a:t>7/23/2018</a:t>
             </a:fld>
             <a:endParaRPr lang="en-US"/>
           </a:p>
@@ -10266,7 +10303,7 @@
           <a:graphicData uri="http://schemas.openxmlformats.org/presentationml/2006/ole">
             <mc:AlternateContent xmlns:mc="http://schemas.openxmlformats.org/markup-compatibility/2006">
               <mc:Choice xmlns:v="urn:schemas-microsoft-com:vml" Requires="v">
-                <p:oleObj spid="_x0000_s4134" name="think-cell Slide" r:id="rId5" imgW="270" imgH="270" progId="TCLayout.ActiveDocument.1">
+                <p:oleObj spid="_x0000_s4135" name="think-cell Slide" r:id="rId5" imgW="270" imgH="270" progId="TCLayout.ActiveDocument.1">
                   <p:embed/>
                 </p:oleObj>
               </mc:Choice>
@@ -10627,7 +10664,7 @@
           <a:graphicData uri="http://schemas.openxmlformats.org/presentationml/2006/ole">
             <mc:AlternateContent xmlns:mc="http://schemas.openxmlformats.org/markup-compatibility/2006">
               <mc:Choice xmlns:v="urn:schemas-microsoft-com:vml" Requires="v">
-                <p:oleObj spid="_x0000_s16417" name="think-cell Slide" r:id="rId5" imgW="270" imgH="270" progId="TCLayout.ActiveDocument.1">
+                <p:oleObj spid="_x0000_s16418" name="think-cell Slide" r:id="rId5" imgW="270" imgH="270" progId="TCLayout.ActiveDocument.1">
                   <p:embed/>
                 </p:oleObj>
               </mc:Choice>
@@ -10922,7 +10959,7 @@
           <a:graphicData uri="http://schemas.openxmlformats.org/presentationml/2006/ole">
             <mc:AlternateContent xmlns:mc="http://schemas.openxmlformats.org/markup-compatibility/2006">
               <mc:Choice xmlns:v="urn:schemas-microsoft-com:vml" Requires="v">
-                <p:oleObj spid="_x0000_s17441" name="think-cell Slide" r:id="rId6" imgW="270" imgH="270" progId="TCLayout.ActiveDocument.1">
+                <p:oleObj spid="_x0000_s17442" name="think-cell Slide" r:id="rId6" imgW="270" imgH="270" progId="TCLayout.ActiveDocument.1">
                   <p:embed/>
                 </p:oleObj>
               </mc:Choice>
@@ -11168,16 +11205,12 @@
           </p:cNvGraphicFramePr>
           <p:nvPr>
             <p:ph idx="1"/>
-            <p:extLst>
-              <p:ext uri="{D42A27DB-BD31-4B8C-83A1-F6EECF244321}">
-                <p14:modId xmlns:p14="http://schemas.microsoft.com/office/powerpoint/2010/main" val="3067598078"/>
-              </p:ext>
-            </p:extLst>
+            <p:extLst/>
           </p:nvPr>
         </p:nvGraphicFramePr>
         <p:xfrm>
           <a:off x="614363" y="1111250"/>
-          <a:ext cx="7915275" cy="3474720"/>
+          <a:ext cx="7915275" cy="3169920"/>
         </p:xfrm>
         <a:graphic>
           <a:graphicData uri="http://schemas.openxmlformats.org/drawingml/2006/table">
@@ -11189,21 +11222,21 @@
                 <a:gridCol w="1242805">
                   <a:extLst>
                     <a:ext uri="{9D8B030D-6E8A-4147-A177-3AD203B41FA5}">
-                      <a16:colId xmlns:a16="http://schemas.microsoft.com/office/drawing/2014/main" xmlns="" val="20000"/>
+                      <a16:colId xmlns="" xmlns:a16="http://schemas.microsoft.com/office/drawing/2014/main" val="20000"/>
                     </a:ext>
                   </a:extLst>
                 </a:gridCol>
                 <a:gridCol w="861296">
                   <a:extLst>
                     <a:ext uri="{9D8B030D-6E8A-4147-A177-3AD203B41FA5}">
-                      <a16:colId xmlns:a16="http://schemas.microsoft.com/office/drawing/2014/main" xmlns="" val="20001"/>
+                      <a16:colId xmlns="" xmlns:a16="http://schemas.microsoft.com/office/drawing/2014/main" val="20001"/>
                     </a:ext>
                   </a:extLst>
                 </a:gridCol>
                 <a:gridCol w="5811174">
                   <a:extLst>
                     <a:ext uri="{9D8B030D-6E8A-4147-A177-3AD203B41FA5}">
-                      <a16:colId xmlns:a16="http://schemas.microsoft.com/office/drawing/2014/main" xmlns="" val="20002"/>
+                      <a16:colId xmlns="" xmlns:a16="http://schemas.microsoft.com/office/drawing/2014/main" val="20002"/>
                     </a:ext>
                   </a:extLst>
                 </a:gridCol>
@@ -11252,7 +11285,7 @@
                 </a:tc>
                 <a:extLst>
                   <a:ext uri="{0D108BD9-81ED-4DB2-BD59-A6C34878D82A}">
-                    <a16:rowId xmlns:a16="http://schemas.microsoft.com/office/drawing/2014/main" xmlns="" val="10000"/>
+                    <a16:rowId xmlns="" xmlns:a16="http://schemas.microsoft.com/office/drawing/2014/main" val="10000"/>
                   </a:ext>
                 </a:extLst>
               </a:tr>
@@ -11293,7 +11326,7 @@
                     <a:lstStyle/>
                     <a:p>
                       <a:r>
-                        <a:rPr lang="en-US" sz="2000" kern="1200" dirty="0">
+                        <a:rPr lang="en-US" sz="2000" kern="1200" dirty="0" smtClean="0">
                           <a:solidFill>
                             <a:schemeClr val="dk1"/>
                           </a:solidFill>
@@ -11301,39 +11334,11 @@
                           <a:ea typeface="+mn-ea"/>
                           <a:cs typeface="+mn-cs"/>
                         </a:rPr>
-                        <a:t>Forecasting </a:t>
+                        <a:t>Homework Review – Roman</a:t>
                       </a:r>
-                    </a:p>
-                  </a:txBody>
-                  <a:tcPr/>
-                </a:tc>
-                <a:extLst>
-                  <a:ext uri="{0D108BD9-81ED-4DB2-BD59-A6C34878D82A}">
-                    <a16:rowId xmlns:a16="http://schemas.microsoft.com/office/drawing/2014/main" xmlns="" val="10001"/>
-                  </a:ext>
-                </a:extLst>
-              </a:tr>
-              <a:tr h="370840">
-                <a:tc>
-                  <a:txBody>
-                    <a:bodyPr/>
-                    <a:lstStyle/>
-                    <a:p>
-                      <a:pPr algn="ctr"/>
-                      <a:endParaRPr lang="en-US" sz="2000" dirty="0"/>
-                    </a:p>
-                  </a:txBody>
-                  <a:tcPr/>
-                </a:tc>
-                <a:tc>
-                  <a:txBody>
-                    <a:bodyPr/>
-                    <a:lstStyle/>
-                    <a:p>
-                      <a:pPr algn="ctr"/>
-                      <a:endParaRPr lang="en-US" sz="2000" b="1" kern="1200" dirty="0">
+                      <a:endParaRPr lang="en-US" sz="2000" kern="1200" dirty="0">
                         <a:solidFill>
-                          <a:schemeClr val="accent1"/>
+                          <a:schemeClr val="dk1"/>
                         </a:solidFill>
                         <a:latin typeface="+mn-lt"/>
                         <a:ea typeface="+mn-ea"/>
@@ -11343,25 +11348,54 @@
                   </a:txBody>
                   <a:tcPr/>
                 </a:tc>
+                <a:extLst>
+                  <a:ext uri="{0D108BD9-81ED-4DB2-BD59-A6C34878D82A}">
+                    <a16:rowId xmlns="" xmlns:a16="http://schemas.microsoft.com/office/drawing/2014/main" val="10001"/>
+                  </a:ext>
+                </a:extLst>
+              </a:tr>
+              <a:tr h="370840">
+                <a:tc>
+                  <a:txBody>
+                    <a:bodyPr/>
+                    <a:lstStyle/>
+                    <a:p>
+                      <a:pPr algn="ctr"/>
+                      <a:endParaRPr lang="en-US" sz="2000" dirty="0"/>
+                    </a:p>
+                  </a:txBody>
+                  <a:tcPr/>
+                </a:tc>
+                <a:tc>
+                  <a:txBody>
+                    <a:bodyPr/>
+                    <a:lstStyle/>
+                    <a:p>
+                      <a:pPr algn="ctr"/>
+                      <a:endParaRPr lang="en-US" sz="2000" dirty="0"/>
+                    </a:p>
+                  </a:txBody>
+                  <a:tcPr/>
+                </a:tc>
                 <a:tc>
                   <a:txBody>
                     <a:bodyPr/>
                     <a:lstStyle/>
                     <a:p>
                       <a:r>
-                        <a:rPr lang="en-US" sz="2000" b="1" kern="1200" dirty="0" smtClean="0">
+                        <a:rPr lang="en-US" sz="2000" kern="1200" dirty="0" smtClean="0">
                           <a:solidFill>
-                            <a:schemeClr val="accent1"/>
+                            <a:schemeClr val="dk1"/>
                           </a:solidFill>
                           <a:latin typeface="+mn-lt"/>
                           <a:ea typeface="+mn-ea"/>
                           <a:cs typeface="+mn-cs"/>
                         </a:rPr>
-                        <a:t>Break</a:t>
+                        <a:t>Forecasting</a:t>
                       </a:r>
-                      <a:endParaRPr lang="en-US" sz="2000" b="1" kern="1200" dirty="0">
+                      <a:endParaRPr lang="en-US" sz="2000" kern="1200" dirty="0">
                         <a:solidFill>
-                          <a:schemeClr val="accent1"/>
+                          <a:schemeClr val="dk1"/>
                         </a:solidFill>
                         <a:latin typeface="+mn-lt"/>
                         <a:ea typeface="+mn-ea"/>
@@ -11373,7 +11407,7 @@
                 </a:tc>
                 <a:extLst>
                   <a:ext uri="{0D108BD9-81ED-4DB2-BD59-A6C34878D82A}">
-                    <a16:rowId xmlns:a16="http://schemas.microsoft.com/office/drawing/2014/main" xmlns="" val="10002"/>
+                    <a16:rowId xmlns="" xmlns:a16="http://schemas.microsoft.com/office/drawing/2014/main" val="10002"/>
                   </a:ext>
                 </a:extLst>
               </a:tr>
@@ -11407,7 +11441,7 @@
                     <a:p>
                       <a:r>
                         <a:rPr lang="en-US" sz="2000" dirty="0" smtClean="0"/>
-                        <a:t>Naïve Forecasting</a:t>
+                        <a:t>Naïve</a:t>
                       </a:r>
                       <a:endParaRPr lang="en-US" sz="2000" dirty="0"/>
                     </a:p>
@@ -11416,7 +11450,7 @@
                 </a:tc>
                 <a:extLst>
                   <a:ext uri="{0D108BD9-81ED-4DB2-BD59-A6C34878D82A}">
-                    <a16:rowId xmlns:a16="http://schemas.microsoft.com/office/drawing/2014/main" xmlns="" val="10003"/>
+                    <a16:rowId xmlns="" xmlns:a16="http://schemas.microsoft.com/office/drawing/2014/main" val="10003"/>
                   </a:ext>
                 </a:extLst>
               </a:tr>
@@ -11459,7 +11493,7 @@
                 </a:tc>
                 <a:extLst>
                   <a:ext uri="{0D108BD9-81ED-4DB2-BD59-A6C34878D82A}">
-                    <a16:rowId xmlns:a16="http://schemas.microsoft.com/office/drawing/2014/main" xmlns="" val="10004"/>
+                    <a16:rowId xmlns="" xmlns:a16="http://schemas.microsoft.com/office/drawing/2014/main" val="10004"/>
                   </a:ext>
                 </a:extLst>
               </a:tr>
@@ -11493,7 +11527,7 @@
                     <a:p>
                       <a:r>
                         <a:rPr lang="en-US" sz="2000" dirty="0" smtClean="0"/>
-                        <a:t>Break</a:t>
+                        <a:t>Holt Winters</a:t>
                       </a:r>
                       <a:endParaRPr lang="en-US" sz="2000" dirty="0"/>
                     </a:p>
@@ -11502,7 +11536,7 @@
                 </a:tc>
                 <a:extLst>
                   <a:ext uri="{0D108BD9-81ED-4DB2-BD59-A6C34878D82A}">
-                    <a16:rowId xmlns:a16="http://schemas.microsoft.com/office/drawing/2014/main" xmlns="" val="10005"/>
+                    <a16:rowId xmlns="" xmlns:a16="http://schemas.microsoft.com/office/drawing/2014/main" val="10005"/>
                   </a:ext>
                 </a:extLst>
               </a:tr>
@@ -11534,6 +11568,10 @@
                     <a:bodyPr/>
                     <a:lstStyle/>
                     <a:p>
+                      <a:r>
+                        <a:rPr lang="en-US" sz="2000" dirty="0" smtClean="0"/>
+                        <a:t>Regression based forecasting</a:t>
+                      </a:r>
                       <a:endParaRPr lang="en-US" sz="2000" dirty="0"/>
                     </a:p>
                   </a:txBody>
@@ -11541,7 +11579,7 @@
                 </a:tc>
                 <a:extLst>
                   <a:ext uri="{0D108BD9-81ED-4DB2-BD59-A6C34878D82A}">
-                    <a16:rowId xmlns:a16="http://schemas.microsoft.com/office/drawing/2014/main" xmlns="" val="10006"/>
+                    <a16:rowId xmlns="" xmlns:a16="http://schemas.microsoft.com/office/drawing/2014/main" val="10006"/>
                   </a:ext>
                 </a:extLst>
               </a:tr>
@@ -11573,29 +11611,10 @@
                     <a:bodyPr/>
                     <a:lstStyle/>
                     <a:p>
-                      <a:pPr marL="0" marR="0" lvl="0" indent="0" algn="l" defTabSz="685800" rtl="0" eaLnBrk="1" fontAlgn="auto" latinLnBrk="0" hangingPunct="1">
-                        <a:lnSpc>
-                          <a:spcPct val="100000"/>
-                        </a:lnSpc>
-                        <a:spcBef>
-                          <a:spcPts val="0"/>
-                        </a:spcBef>
-                        <a:spcAft>
-                          <a:spcPts val="0"/>
-                        </a:spcAft>
-                        <a:buClrTx/>
-                        <a:buSzTx/>
-                        <a:buFontTx/>
-                        <a:buNone/>
-                        <a:tabLst/>
-                        <a:defRPr/>
-                      </a:pPr>
                       <a:r>
                         <a:rPr lang="en-US" sz="2000" dirty="0" smtClean="0"/>
-                        <a:t>Workforce Planning Example</a:t>
+                        <a:t>ARIMA (time permitting)</a:t>
                       </a:r>
-                    </a:p>
-                    <a:p>
                       <a:endParaRPr lang="en-US" sz="2000" dirty="0"/>
                     </a:p>
                   </a:txBody>
@@ -11603,7 +11622,7 @@
                 </a:tc>
                 <a:extLst>
                   <a:ext uri="{0D108BD9-81ED-4DB2-BD59-A6C34878D82A}">
-                    <a16:rowId xmlns:a16="http://schemas.microsoft.com/office/drawing/2014/main" xmlns="" val="10007"/>
+                    <a16:rowId xmlns="" xmlns:a16="http://schemas.microsoft.com/office/drawing/2014/main" val="10007"/>
                   </a:ext>
                 </a:extLst>
               </a:tr>
@@ -11628,7 +11647,7 @@
           <a:p>
             <a:fld id="{9B19E99B-5349-415A-8E56-8E989211A366}" type="datetime1">
               <a:rPr lang="en-US" smtClean="0"/>
-              <a:t>7/22/2018</a:t>
+              <a:t>7/23/2018</a:t>
             </a:fld>
             <a:endParaRPr lang="en-US"/>
           </a:p>
@@ -11683,7 +11702,7 @@
     </p:spTree>
     <p:extLst>
       <p:ext uri="{BB962C8B-B14F-4D97-AF65-F5344CB8AC3E}">
-        <p14:creationId xmlns:p14="http://schemas.microsoft.com/office/powerpoint/2010/main" val="558474818"/>
+        <p14:creationId xmlns:p14="http://schemas.microsoft.com/office/powerpoint/2010/main" val="3711421599"/>
       </p:ext>
     </p:extLst>
   </p:cSld>
@@ -11731,7 +11750,7 @@
           <a:graphicData uri="http://schemas.openxmlformats.org/presentationml/2006/ole">
             <mc:AlternateContent xmlns:mc="http://schemas.openxmlformats.org/markup-compatibility/2006">
               <mc:Choice xmlns:v="urn:schemas-microsoft-com:vml" Requires="v">
-                <p:oleObj spid="_x0000_s5158" name="think-cell Slide" r:id="rId5" imgW="270" imgH="270" progId="TCLayout.ActiveDocument.1">
+                <p:oleObj spid="_x0000_s5159" name="think-cell Slide" r:id="rId5" imgW="270" imgH="270" progId="TCLayout.ActiveDocument.1">
                   <p:embed/>
                 </p:oleObj>
               </mc:Choice>
@@ -13038,7 +13057,7 @@
           <a:p>
             <a:fld id="{D753EFC8-4232-4598-94F6-94C0EBAFC469}" type="datetime1">
               <a:rPr lang="en-US" smtClean="0"/>
-              <a:t>7/22/2018</a:t>
+              <a:t>7/23/2018</a:t>
             </a:fld>
             <a:endParaRPr lang="en-US"/>
           </a:p>
@@ -13290,7 +13309,7 @@
           <p:cNvPr id="2" name="Date Placeholder 1">
             <a:extLst>
               <a:ext uri="{FF2B5EF4-FFF2-40B4-BE49-F238E27FC236}">
-                <a16:creationId xmlns:a16="http://schemas.microsoft.com/office/drawing/2014/main" xmlns="" id="{CA79CF12-30E2-42AE-B34C-9BC94FEBF964}"/>
+                <a16:creationId xmlns="" xmlns:a16="http://schemas.microsoft.com/office/drawing/2014/main" id="{CA79CF12-30E2-42AE-B34C-9BC94FEBF964}"/>
               </a:ext>
             </a:extLst>
           </p:cNvPr>
@@ -13308,7 +13327,7 @@
           <a:p>
             <a:fld id="{6700A58B-DD98-43D0-B791-721480A02982}" type="datetime1">
               <a:rPr lang="en-US" smtClean="0"/>
-              <a:t>7/22/2018</a:t>
+              <a:t>7/23/2018</a:t>
             </a:fld>
             <a:endParaRPr lang="en-US"/>
           </a:p>
@@ -13319,7 +13338,7 @@
           <p:cNvPr id="4" name="Slide Number Placeholder 3">
             <a:extLst>
               <a:ext uri="{FF2B5EF4-FFF2-40B4-BE49-F238E27FC236}">
-                <a16:creationId xmlns:a16="http://schemas.microsoft.com/office/drawing/2014/main" xmlns="" id="{31D84C2A-4276-4290-A121-0469B8157876}"/>
+                <a16:creationId xmlns="" xmlns:a16="http://schemas.microsoft.com/office/drawing/2014/main" id="{31D84C2A-4276-4290-A121-0469B8157876}"/>
               </a:ext>
             </a:extLst>
           </p:cNvPr>
@@ -13348,7 +13367,7 @@
           <p:cNvPr id="5" name="Footer Placeholder 4">
             <a:extLst>
               <a:ext uri="{FF2B5EF4-FFF2-40B4-BE49-F238E27FC236}">
-                <a16:creationId xmlns:a16="http://schemas.microsoft.com/office/drawing/2014/main" xmlns="" id="{7CF45EE8-995A-4EDF-98B2-876D4AB98FDA}"/>
+                <a16:creationId xmlns="" xmlns:a16="http://schemas.microsoft.com/office/drawing/2014/main" id="{7CF45EE8-995A-4EDF-98B2-876D4AB98FDA}"/>
               </a:ext>
             </a:extLst>
           </p:cNvPr>
@@ -13377,7 +13396,7 @@
           <p:cNvPr id="6" name="Content Placeholder 2">
             <a:extLst>
               <a:ext uri="{FF2B5EF4-FFF2-40B4-BE49-F238E27FC236}">
-                <a16:creationId xmlns:a16="http://schemas.microsoft.com/office/drawing/2014/main" xmlns="" id="{0F99D124-A478-4855-982C-0F6EAD9A487E}"/>
+                <a16:creationId xmlns="" xmlns:a16="http://schemas.microsoft.com/office/drawing/2014/main" id="{0F99D124-A478-4855-982C-0F6EAD9A487E}"/>
               </a:ext>
             </a:extLst>
           </p:cNvPr>
@@ -13650,7 +13669,7 @@
           <p:cNvPr id="7" name="Title 1">
             <a:extLst>
               <a:ext uri="{FF2B5EF4-FFF2-40B4-BE49-F238E27FC236}">
-                <a16:creationId xmlns:a16="http://schemas.microsoft.com/office/drawing/2014/main" xmlns="" id="{CF693E49-70BD-4C3F-A7E3-57DB09DE4ABC}"/>
+                <a16:creationId xmlns="" xmlns:a16="http://schemas.microsoft.com/office/drawing/2014/main" id="{CF693E49-70BD-4C3F-A7E3-57DB09DE4ABC}"/>
               </a:ext>
             </a:extLst>
           </p:cNvPr>
@@ -13772,7 +13791,7 @@
           <a:p>
             <a:fld id="{D753EFC8-4232-4598-94F6-94C0EBAFC469}" type="datetime1">
               <a:rPr lang="en-US" smtClean="0"/>
-              <a:t>7/22/2018</a:t>
+              <a:t>7/23/2018</a:t>
             </a:fld>
             <a:endParaRPr lang="en-US"/>
           </a:p>
@@ -14044,7 +14063,7 @@
           <a:p>
             <a:fld id="{D753EFC8-4232-4598-94F6-94C0EBAFC469}" type="datetime1">
               <a:rPr lang="en-US" smtClean="0"/>
-              <a:t>7/22/2018</a:t>
+              <a:t>7/23/2018</a:t>
             </a:fld>
             <a:endParaRPr lang="en-US"/>
           </a:p>
@@ -14390,7 +14409,7 @@
           <a:p>
             <a:fld id="{D753EFC8-4232-4598-94F6-94C0EBAFC469}" type="datetime1">
               <a:rPr lang="en-US" smtClean="0"/>
-              <a:t>7/22/2018</a:t>
+              <a:t>7/23/2018</a:t>
             </a:fld>
             <a:endParaRPr lang="en-US"/>
           </a:p>
@@ -14681,7 +14700,7 @@
           <a:p>
             <a:fld id="{D753EFC8-4232-4598-94F6-94C0EBAFC469}" type="datetime1">
               <a:rPr lang="en-US" smtClean="0"/>
-              <a:t>7/22/2018</a:t>
+              <a:t>7/23/2018</a:t>
             </a:fld>
             <a:endParaRPr lang="en-US"/>
           </a:p>
@@ -15205,7 +15224,7 @@
           <a:p>
             <a:fld id="{D753EFC8-4232-4598-94F6-94C0EBAFC469}" type="datetime1">
               <a:rPr lang="en-US" smtClean="0"/>
-              <a:t>7/22/2018</a:t>
+              <a:t>7/23/2018</a:t>
             </a:fld>
             <a:endParaRPr lang="en-US"/>
           </a:p>
@@ -15606,7 +15625,7 @@
           <a:p>
             <a:fld id="{D753EFC8-4232-4598-94F6-94C0EBAFC469}" type="datetime1">
               <a:rPr lang="en-US" smtClean="0"/>
-              <a:t>7/22/2018</a:t>
+              <a:t>7/23/2018</a:t>
             </a:fld>
             <a:endParaRPr lang="en-US"/>
           </a:p>
@@ -16164,7 +16183,7 @@
           <a:p>
             <a:fld id="{D753EFC8-4232-4598-94F6-94C0EBAFC469}" type="datetime1">
               <a:rPr lang="en-US" smtClean="0"/>
-              <a:t>7/22/2018</a:t>
+              <a:t>7/23/2018</a:t>
             </a:fld>
             <a:endParaRPr lang="en-US"/>
           </a:p>
@@ -16878,7 +16897,7 @@
           <a:p>
             <a:fld id="{D753EFC8-4232-4598-94F6-94C0EBAFC469}" type="datetime1">
               <a:rPr lang="en-US" smtClean="0"/>
-              <a:t>7/22/2018</a:t>
+              <a:t>7/23/2018</a:t>
             </a:fld>
             <a:endParaRPr lang="en-US"/>
           </a:p>
@@ -16997,16 +17016,12 @@
           </p:cNvGraphicFramePr>
           <p:nvPr>
             <p:ph idx="1"/>
-            <p:extLst>
-              <p:ext uri="{D42A27DB-BD31-4B8C-83A1-F6EECF244321}">
-                <p14:modId xmlns:p14="http://schemas.microsoft.com/office/powerpoint/2010/main" val="617174473"/>
-              </p:ext>
-            </p:extLst>
+            <p:extLst/>
           </p:nvPr>
         </p:nvGraphicFramePr>
         <p:xfrm>
           <a:off x="614363" y="1111250"/>
-          <a:ext cx="7915275" cy="3474720"/>
+          <a:ext cx="7915275" cy="3169920"/>
         </p:xfrm>
         <a:graphic>
           <a:graphicData uri="http://schemas.openxmlformats.org/drawingml/2006/table">
@@ -17018,21 +17033,21 @@
                 <a:gridCol w="1242805">
                   <a:extLst>
                     <a:ext uri="{9D8B030D-6E8A-4147-A177-3AD203B41FA5}">
-                      <a16:colId xmlns:a16="http://schemas.microsoft.com/office/drawing/2014/main" xmlns="" val="20000"/>
+                      <a16:colId xmlns="" xmlns:a16="http://schemas.microsoft.com/office/drawing/2014/main" val="20000"/>
                     </a:ext>
                   </a:extLst>
                 </a:gridCol>
                 <a:gridCol w="861296">
                   <a:extLst>
                     <a:ext uri="{9D8B030D-6E8A-4147-A177-3AD203B41FA5}">
-                      <a16:colId xmlns:a16="http://schemas.microsoft.com/office/drawing/2014/main" xmlns="" val="20001"/>
+                      <a16:colId xmlns="" xmlns:a16="http://schemas.microsoft.com/office/drawing/2014/main" val="20001"/>
                     </a:ext>
                   </a:extLst>
                 </a:gridCol>
                 <a:gridCol w="5811174">
                   <a:extLst>
                     <a:ext uri="{9D8B030D-6E8A-4147-A177-3AD203B41FA5}">
-                      <a16:colId xmlns:a16="http://schemas.microsoft.com/office/drawing/2014/main" xmlns="" val="20002"/>
+                      <a16:colId xmlns="" xmlns:a16="http://schemas.microsoft.com/office/drawing/2014/main" val="20002"/>
                     </a:ext>
                   </a:extLst>
                 </a:gridCol>
@@ -17081,7 +17096,7 @@
                 </a:tc>
                 <a:extLst>
                   <a:ext uri="{0D108BD9-81ED-4DB2-BD59-A6C34878D82A}">
-                    <a16:rowId xmlns:a16="http://schemas.microsoft.com/office/drawing/2014/main" xmlns="" val="10000"/>
+                    <a16:rowId xmlns="" xmlns:a16="http://schemas.microsoft.com/office/drawing/2014/main" val="10000"/>
                   </a:ext>
                 </a:extLst>
               </a:tr>
@@ -17111,62 +17126,6 @@
                         <a:solidFill>
                           <a:schemeClr val="accent1"/>
                         </a:solidFill>
-                      </a:endParaRPr>
-                    </a:p>
-                  </a:txBody>
-                  <a:tcPr/>
-                </a:tc>
-                <a:tc>
-                  <a:txBody>
-                    <a:bodyPr/>
-                    <a:lstStyle/>
-                    <a:p>
-                      <a:r>
-                        <a:rPr lang="en-US" sz="2000" kern="1200" dirty="0">
-                          <a:solidFill>
-                            <a:schemeClr val="dk1"/>
-                          </a:solidFill>
-                          <a:latin typeface="+mn-lt"/>
-                          <a:ea typeface="+mn-ea"/>
-                          <a:cs typeface="+mn-cs"/>
-                        </a:rPr>
-                        <a:t>Forecasting </a:t>
-                      </a:r>
-                    </a:p>
-                  </a:txBody>
-                  <a:tcPr/>
-                </a:tc>
-                <a:extLst>
-                  <a:ext uri="{0D108BD9-81ED-4DB2-BD59-A6C34878D82A}">
-                    <a16:rowId xmlns:a16="http://schemas.microsoft.com/office/drawing/2014/main" xmlns="" val="10001"/>
-                  </a:ext>
-                </a:extLst>
-              </a:tr>
-              <a:tr h="370840">
-                <a:tc>
-                  <a:txBody>
-                    <a:bodyPr/>
-                    <a:lstStyle/>
-                    <a:p>
-                      <a:pPr algn="ctr"/>
-                      <a:endParaRPr lang="en-US" sz="2000" dirty="0"/>
-                    </a:p>
-                  </a:txBody>
-                  <a:tcPr/>
-                </a:tc>
-                <a:tc>
-                  <a:txBody>
-                    <a:bodyPr/>
-                    <a:lstStyle/>
-                    <a:p>
-                      <a:pPr algn="ctr"/>
-                      <a:endParaRPr lang="en-US" sz="2000" b="1" kern="1200" dirty="0">
-                        <a:solidFill>
-                          <a:schemeClr val="accent1"/>
-                        </a:solidFill>
-                        <a:latin typeface="+mn-lt"/>
-                        <a:ea typeface="+mn-ea"/>
-                        <a:cs typeface="+mn-cs"/>
                       </a:endParaRPr>
                     </a:p>
                   </a:txBody>
@@ -17186,7 +17145,7 @@
                           <a:ea typeface="+mn-ea"/>
                           <a:cs typeface="+mn-cs"/>
                         </a:rPr>
-                        <a:t>Break</a:t>
+                        <a:t>Homework Review – Roman</a:t>
                       </a:r>
                       <a:endParaRPr lang="en-US" sz="2000" kern="1200" dirty="0">
                         <a:solidFill>
@@ -17202,7 +17161,7 @@
                 </a:tc>
                 <a:extLst>
                   <a:ext uri="{0D108BD9-81ED-4DB2-BD59-A6C34878D82A}">
-                    <a16:rowId xmlns:a16="http://schemas.microsoft.com/office/drawing/2014/main" xmlns="" val="10002"/>
+                    <a16:rowId xmlns="" xmlns:a16="http://schemas.microsoft.com/office/drawing/2014/main" val="10001"/>
                   </a:ext>
                 </a:extLst>
               </a:tr>
@@ -17235,62 +17194,19 @@
                     <a:lstStyle/>
                     <a:p>
                       <a:r>
-                        <a:rPr lang="en-US" sz="2000" dirty="0" smtClean="0"/>
-                        <a:t>Naïve Forecasting</a:t>
-                      </a:r>
-                      <a:endParaRPr lang="en-US" sz="2000" dirty="0"/>
-                    </a:p>
-                  </a:txBody>
-                  <a:tcPr/>
-                </a:tc>
-                <a:extLst>
-                  <a:ext uri="{0D108BD9-81ED-4DB2-BD59-A6C34878D82A}">
-                    <a16:rowId xmlns:a16="http://schemas.microsoft.com/office/drawing/2014/main" xmlns="" val="10003"/>
-                  </a:ext>
-                </a:extLst>
-              </a:tr>
-              <a:tr h="370840">
-                <a:tc>
-                  <a:txBody>
-                    <a:bodyPr/>
-                    <a:lstStyle/>
-                    <a:p>
-                      <a:pPr algn="ctr"/>
-                      <a:endParaRPr lang="en-US" sz="2000" dirty="0"/>
-                    </a:p>
-                  </a:txBody>
-                  <a:tcPr/>
-                </a:tc>
-                <a:tc>
-                  <a:txBody>
-                    <a:bodyPr/>
-                    <a:lstStyle/>
-                    <a:p>
-                      <a:pPr algn="ctr"/>
-                      <a:endParaRPr lang="en-US" sz="2000" dirty="0"/>
-                    </a:p>
-                  </a:txBody>
-                  <a:tcPr/>
-                </a:tc>
-                <a:tc>
-                  <a:txBody>
-                    <a:bodyPr/>
-                    <a:lstStyle/>
-                    <a:p>
-                      <a:r>
-                        <a:rPr lang="en-US" sz="2000" b="1" kern="1200" dirty="0" smtClean="0">
+                        <a:rPr lang="en-US" sz="2000" kern="1200" dirty="0" smtClean="0">
                           <a:solidFill>
-                            <a:schemeClr val="accent1"/>
+                            <a:schemeClr val="dk1"/>
                           </a:solidFill>
                           <a:latin typeface="+mn-lt"/>
                           <a:ea typeface="+mn-ea"/>
                           <a:cs typeface="+mn-cs"/>
                         </a:rPr>
-                        <a:t>Time Series Decomposition</a:t>
+                        <a:t>Forecasting</a:t>
                       </a:r>
-                      <a:endParaRPr lang="en-US" sz="2000" b="1" kern="1200" dirty="0">
+                      <a:endParaRPr lang="en-US" sz="2000" kern="1200" dirty="0">
                         <a:solidFill>
-                          <a:schemeClr val="accent1"/>
+                          <a:schemeClr val="dk1"/>
                         </a:solidFill>
                         <a:latin typeface="+mn-lt"/>
                         <a:ea typeface="+mn-ea"/>
@@ -17302,7 +17218,7 @@
                 </a:tc>
                 <a:extLst>
                   <a:ext uri="{0D108BD9-81ED-4DB2-BD59-A6C34878D82A}">
-                    <a16:rowId xmlns:a16="http://schemas.microsoft.com/office/drawing/2014/main" xmlns="" val="10004"/>
+                    <a16:rowId xmlns="" xmlns:a16="http://schemas.microsoft.com/office/drawing/2014/main" val="10002"/>
                   </a:ext>
                 </a:extLst>
               </a:tr>
@@ -17336,7 +17252,7 @@
                     <a:p>
                       <a:r>
                         <a:rPr lang="en-US" sz="2000" dirty="0" smtClean="0"/>
-                        <a:t>Break</a:t>
+                        <a:t>Naïve</a:t>
                       </a:r>
                       <a:endParaRPr lang="en-US" sz="2000" dirty="0"/>
                     </a:p>
@@ -17345,7 +17261,7 @@
                 </a:tc>
                 <a:extLst>
                   <a:ext uri="{0D108BD9-81ED-4DB2-BD59-A6C34878D82A}">
-                    <a16:rowId xmlns:a16="http://schemas.microsoft.com/office/drawing/2014/main" xmlns="" val="10005"/>
+                    <a16:rowId xmlns="" xmlns:a16="http://schemas.microsoft.com/office/drawing/2014/main" val="10003"/>
                   </a:ext>
                 </a:extLst>
               </a:tr>
@@ -17377,6 +17293,10 @@
                     <a:bodyPr/>
                     <a:lstStyle/>
                     <a:p>
+                      <a:r>
+                        <a:rPr lang="en-US" sz="2000" dirty="0" smtClean="0"/>
+                        <a:t>Time Series Decomposition</a:t>
+                      </a:r>
                       <a:endParaRPr lang="en-US" sz="2000" dirty="0"/>
                     </a:p>
                   </a:txBody>
@@ -17384,7 +17304,7 @@
                 </a:tc>
                 <a:extLst>
                   <a:ext uri="{0D108BD9-81ED-4DB2-BD59-A6C34878D82A}">
-                    <a16:rowId xmlns:a16="http://schemas.microsoft.com/office/drawing/2014/main" xmlns="" val="10006"/>
+                    <a16:rowId xmlns="" xmlns:a16="http://schemas.microsoft.com/office/drawing/2014/main" val="10004"/>
                   </a:ext>
                 </a:extLst>
               </a:tr>
@@ -17416,29 +17336,10 @@
                     <a:bodyPr/>
                     <a:lstStyle/>
                     <a:p>
-                      <a:pPr marL="0" marR="0" lvl="0" indent="0" algn="l" defTabSz="685800" rtl="0" eaLnBrk="1" fontAlgn="auto" latinLnBrk="0" hangingPunct="1">
-                        <a:lnSpc>
-                          <a:spcPct val="100000"/>
-                        </a:lnSpc>
-                        <a:spcBef>
-                          <a:spcPts val="0"/>
-                        </a:spcBef>
-                        <a:spcAft>
-                          <a:spcPts val="0"/>
-                        </a:spcAft>
-                        <a:buClrTx/>
-                        <a:buSzTx/>
-                        <a:buFontTx/>
-                        <a:buNone/>
-                        <a:tabLst/>
-                        <a:defRPr/>
-                      </a:pPr>
                       <a:r>
                         <a:rPr lang="en-US" sz="2000" dirty="0" smtClean="0"/>
-                        <a:t>Workforce Planning Example</a:t>
+                        <a:t>Holt Winters</a:t>
                       </a:r>
-                    </a:p>
-                    <a:p>
                       <a:endParaRPr lang="en-US" sz="2000" dirty="0"/>
                     </a:p>
                   </a:txBody>
@@ -17446,7 +17347,93 @@
                 </a:tc>
                 <a:extLst>
                   <a:ext uri="{0D108BD9-81ED-4DB2-BD59-A6C34878D82A}">
-                    <a16:rowId xmlns:a16="http://schemas.microsoft.com/office/drawing/2014/main" xmlns="" val="10007"/>
+                    <a16:rowId xmlns="" xmlns:a16="http://schemas.microsoft.com/office/drawing/2014/main" val="10005"/>
+                  </a:ext>
+                </a:extLst>
+              </a:tr>
+              <a:tr h="370840">
+                <a:tc>
+                  <a:txBody>
+                    <a:bodyPr/>
+                    <a:lstStyle/>
+                    <a:p>
+                      <a:pPr algn="ctr"/>
+                      <a:endParaRPr lang="en-US" sz="2000" dirty="0"/>
+                    </a:p>
+                  </a:txBody>
+                  <a:tcPr/>
+                </a:tc>
+                <a:tc>
+                  <a:txBody>
+                    <a:bodyPr/>
+                    <a:lstStyle/>
+                    <a:p>
+                      <a:pPr algn="ctr"/>
+                      <a:endParaRPr lang="en-US" sz="2000" dirty="0"/>
+                    </a:p>
+                  </a:txBody>
+                  <a:tcPr/>
+                </a:tc>
+                <a:tc>
+                  <a:txBody>
+                    <a:bodyPr/>
+                    <a:lstStyle/>
+                    <a:p>
+                      <a:r>
+                        <a:rPr lang="en-US" sz="2000" dirty="0" smtClean="0"/>
+                        <a:t>Regression based forecasting</a:t>
+                      </a:r>
+                      <a:endParaRPr lang="en-US" sz="2000" dirty="0"/>
+                    </a:p>
+                  </a:txBody>
+                  <a:tcPr/>
+                </a:tc>
+                <a:extLst>
+                  <a:ext uri="{0D108BD9-81ED-4DB2-BD59-A6C34878D82A}">
+                    <a16:rowId xmlns="" xmlns:a16="http://schemas.microsoft.com/office/drawing/2014/main" val="10006"/>
+                  </a:ext>
+                </a:extLst>
+              </a:tr>
+              <a:tr h="370840">
+                <a:tc>
+                  <a:txBody>
+                    <a:bodyPr/>
+                    <a:lstStyle/>
+                    <a:p>
+                      <a:pPr algn="ctr"/>
+                      <a:endParaRPr lang="en-US" sz="2000" dirty="0"/>
+                    </a:p>
+                  </a:txBody>
+                  <a:tcPr/>
+                </a:tc>
+                <a:tc>
+                  <a:txBody>
+                    <a:bodyPr/>
+                    <a:lstStyle/>
+                    <a:p>
+                      <a:pPr algn="ctr"/>
+                      <a:endParaRPr lang="en-US" sz="2000" dirty="0"/>
+                    </a:p>
+                  </a:txBody>
+                  <a:tcPr/>
+                </a:tc>
+                <a:tc>
+                  <a:txBody>
+                    <a:bodyPr/>
+                    <a:lstStyle/>
+                    <a:p>
+                      <a:r>
+                        <a:rPr lang="en-US" sz="2000" dirty="0" smtClean="0"/>
+                        <a:t>ARIMA (time permitting)</a:t>
+                      </a:r>
+                      <a:endParaRPr lang="en-US" sz="2000" dirty="0"/>
+                    </a:p>
+                  </a:txBody>
+                  <a:tcPr/>
+                </a:tc>
+                <a:extLst>
+                  <a:ext uri="{0D108BD9-81ED-4DB2-BD59-A6C34878D82A}">
+                    <a16:rowId xmlns="" xmlns:a16="http://schemas.microsoft.com/office/drawing/2014/main" val="10007"/>
                   </a:ext>
                 </a:extLst>
               </a:tr>
@@ -17471,7 +17458,7 @@
           <a:p>
             <a:fld id="{9B19E99B-5349-415A-8E56-8E989211A366}" type="datetime1">
               <a:rPr lang="en-US" smtClean="0"/>
-              <a:t>7/22/2018</a:t>
+              <a:t>7/23/2018</a:t>
             </a:fld>
             <a:endParaRPr lang="en-US"/>
           </a:p>
@@ -17526,7 +17513,7 @@
     </p:spTree>
     <p:extLst>
       <p:ext uri="{BB962C8B-B14F-4D97-AF65-F5344CB8AC3E}">
-        <p14:creationId xmlns:p14="http://schemas.microsoft.com/office/powerpoint/2010/main" val="2081597074"/>
+        <p14:creationId xmlns:p14="http://schemas.microsoft.com/office/powerpoint/2010/main" val="3414970962"/>
       </p:ext>
     </p:extLst>
   </p:cSld>
@@ -17642,7 +17629,7 @@
           <a:p>
             <a:fld id="{D753EFC8-4232-4598-94F6-94C0EBAFC469}" type="datetime1">
               <a:rPr lang="en-US" smtClean="0"/>
-              <a:t>7/22/2018</a:t>
+              <a:t>7/23/2018</a:t>
             </a:fld>
             <a:endParaRPr lang="en-US"/>
           </a:p>
@@ -18000,7 +17987,7 @@
           <p:cNvPr id="2" name="Date Placeholder 1">
             <a:extLst>
               <a:ext uri="{FF2B5EF4-FFF2-40B4-BE49-F238E27FC236}">
-                <a16:creationId xmlns:a16="http://schemas.microsoft.com/office/drawing/2014/main" xmlns="" id="{3FE42EE3-9848-4091-AB32-9CD1544500AA}"/>
+                <a16:creationId xmlns="" xmlns:a16="http://schemas.microsoft.com/office/drawing/2014/main" id="{3FE42EE3-9848-4091-AB32-9CD1544500AA}"/>
               </a:ext>
             </a:extLst>
           </p:cNvPr>
@@ -18018,7 +18005,7 @@
           <a:p>
             <a:fld id="{6700A58B-DD98-43D0-B791-721480A02982}" type="datetime1">
               <a:rPr lang="en-US" smtClean="0"/>
-              <a:t>7/22/2018</a:t>
+              <a:t>7/23/2018</a:t>
             </a:fld>
             <a:endParaRPr lang="en-US"/>
           </a:p>
@@ -18029,7 +18016,7 @@
           <p:cNvPr id="3" name="Title 2">
             <a:extLst>
               <a:ext uri="{FF2B5EF4-FFF2-40B4-BE49-F238E27FC236}">
-                <a16:creationId xmlns:a16="http://schemas.microsoft.com/office/drawing/2014/main" xmlns="" id="{75CF0D48-1409-4FA8-BC35-CEE75BFEF286}"/>
+                <a16:creationId xmlns="" xmlns:a16="http://schemas.microsoft.com/office/drawing/2014/main" id="{75CF0D48-1409-4FA8-BC35-CEE75BFEF286}"/>
               </a:ext>
             </a:extLst>
           </p:cNvPr>
@@ -18062,7 +18049,7 @@
           <p:cNvPr id="4" name="Slide Number Placeholder 3">
             <a:extLst>
               <a:ext uri="{FF2B5EF4-FFF2-40B4-BE49-F238E27FC236}">
-                <a16:creationId xmlns:a16="http://schemas.microsoft.com/office/drawing/2014/main" xmlns="" id="{2236DEF1-B7DD-43A0-BF17-9242EB83DB1B}"/>
+                <a16:creationId xmlns="" xmlns:a16="http://schemas.microsoft.com/office/drawing/2014/main" id="{2236DEF1-B7DD-43A0-BF17-9242EB83DB1B}"/>
               </a:ext>
             </a:extLst>
           </p:cNvPr>
@@ -18091,7 +18078,7 @@
           <p:cNvPr id="5" name="Footer Placeholder 4">
             <a:extLst>
               <a:ext uri="{FF2B5EF4-FFF2-40B4-BE49-F238E27FC236}">
-                <a16:creationId xmlns:a16="http://schemas.microsoft.com/office/drawing/2014/main" xmlns="" id="{08728560-6A4E-47D2-9335-23EFE2B9303A}"/>
+                <a16:creationId xmlns="" xmlns:a16="http://schemas.microsoft.com/office/drawing/2014/main" id="{08728560-6A4E-47D2-9335-23EFE2B9303A}"/>
               </a:ext>
             </a:extLst>
           </p:cNvPr>
@@ -18120,7 +18107,7 @@
           <p:cNvPr id="6" name="Rectangle 5">
             <a:extLst>
               <a:ext uri="{FF2B5EF4-FFF2-40B4-BE49-F238E27FC236}">
-                <a16:creationId xmlns:a16="http://schemas.microsoft.com/office/drawing/2014/main" xmlns="" id="{7AAD1D07-F801-42E5-819D-E8E714D70829}"/>
+                <a16:creationId xmlns="" xmlns:a16="http://schemas.microsoft.com/office/drawing/2014/main" id="{7AAD1D07-F801-42E5-819D-E8E714D70829}"/>
               </a:ext>
             </a:extLst>
           </p:cNvPr>
@@ -18169,7 +18156,7 @@
           <p:cNvPr id="8" name="TextBox 7">
             <a:extLst>
               <a:ext uri="{FF2B5EF4-FFF2-40B4-BE49-F238E27FC236}">
-                <a16:creationId xmlns:a16="http://schemas.microsoft.com/office/drawing/2014/main" xmlns="" id="{92385DCF-E141-4D39-B06E-9C9C5AF21B3D}"/>
+                <a16:creationId xmlns="" xmlns:a16="http://schemas.microsoft.com/office/drawing/2014/main" id="{92385DCF-E141-4D39-B06E-9C9C5AF21B3D}"/>
               </a:ext>
             </a:extLst>
           </p:cNvPr>
@@ -18478,7 +18465,7 @@
           <a:p>
             <a:fld id="{D753EFC8-4232-4598-94F6-94C0EBAFC469}" type="datetime1">
               <a:rPr lang="en-US" smtClean="0"/>
-              <a:t>7/22/2018</a:t>
+              <a:t>7/23/2018</a:t>
             </a:fld>
             <a:endParaRPr lang="en-US"/>
           </a:p>
@@ -18879,7 +18866,7 @@
           <a:p>
             <a:fld id="{D753EFC8-4232-4598-94F6-94C0EBAFC469}" type="datetime1">
               <a:rPr lang="en-US" smtClean="0"/>
-              <a:t>7/22/2018</a:t>
+              <a:t>7/23/2018</a:t>
             </a:fld>
             <a:endParaRPr lang="en-US"/>
           </a:p>
@@ -19343,7 +19330,7 @@
           <a:p>
             <a:fld id="{D753EFC8-4232-4598-94F6-94C0EBAFC469}" type="datetime1">
               <a:rPr lang="en-US" smtClean="0"/>
-              <a:t>7/22/2018</a:t>
+              <a:t>7/23/2018</a:t>
             </a:fld>
             <a:endParaRPr lang="en-US"/>
           </a:p>
@@ -19728,7 +19715,7 @@
           <a:p>
             <a:fld id="{D753EFC8-4232-4598-94F6-94C0EBAFC469}" type="datetime1">
               <a:rPr lang="en-US" smtClean="0"/>
-              <a:t>7/22/2018</a:t>
+              <a:t>7/23/2018</a:t>
             </a:fld>
             <a:endParaRPr lang="en-US"/>
           </a:p>
@@ -20075,7 +20062,7 @@
           <a:p>
             <a:fld id="{D753EFC8-4232-4598-94F6-94C0EBAFC469}" type="datetime1">
               <a:rPr lang="en-US" smtClean="0"/>
-              <a:t>7/22/2018</a:t>
+              <a:t>7/23/2018</a:t>
             </a:fld>
             <a:endParaRPr lang="en-US"/>
           </a:p>
@@ -20338,7 +20325,7 @@
           <a:p>
             <a:fld id="{D753EFC8-4232-4598-94F6-94C0EBAFC469}" type="datetime1">
               <a:rPr lang="en-US" smtClean="0"/>
-              <a:t>7/22/2018</a:t>
+              <a:t>7/23/2018</a:t>
             </a:fld>
             <a:endParaRPr lang="en-US"/>
           </a:p>
@@ -20450,16 +20437,12 @@
           </p:cNvGraphicFramePr>
           <p:nvPr>
             <p:ph idx="1"/>
-            <p:extLst>
-              <p:ext uri="{D42A27DB-BD31-4B8C-83A1-F6EECF244321}">
-                <p14:modId xmlns:p14="http://schemas.microsoft.com/office/powerpoint/2010/main" val="2432542374"/>
-              </p:ext>
-            </p:extLst>
+            <p:extLst/>
           </p:nvPr>
         </p:nvGraphicFramePr>
         <p:xfrm>
           <a:off x="614363" y="1111250"/>
-          <a:ext cx="7915275" cy="3474720"/>
+          <a:ext cx="7915275" cy="3169920"/>
         </p:xfrm>
         <a:graphic>
           <a:graphicData uri="http://schemas.openxmlformats.org/drawingml/2006/table">
@@ -20471,21 +20454,21 @@
                 <a:gridCol w="1242805">
                   <a:extLst>
                     <a:ext uri="{9D8B030D-6E8A-4147-A177-3AD203B41FA5}">
-                      <a16:colId xmlns:a16="http://schemas.microsoft.com/office/drawing/2014/main" xmlns="" val="20000"/>
+                      <a16:colId xmlns="" xmlns:a16="http://schemas.microsoft.com/office/drawing/2014/main" val="20000"/>
                     </a:ext>
                   </a:extLst>
                 </a:gridCol>
                 <a:gridCol w="861296">
                   <a:extLst>
                     <a:ext uri="{9D8B030D-6E8A-4147-A177-3AD203B41FA5}">
-                      <a16:colId xmlns:a16="http://schemas.microsoft.com/office/drawing/2014/main" xmlns="" val="20001"/>
+                      <a16:colId xmlns="" xmlns:a16="http://schemas.microsoft.com/office/drawing/2014/main" val="20001"/>
                     </a:ext>
                   </a:extLst>
                 </a:gridCol>
                 <a:gridCol w="5811174">
                   <a:extLst>
                     <a:ext uri="{9D8B030D-6E8A-4147-A177-3AD203B41FA5}">
-                      <a16:colId xmlns:a16="http://schemas.microsoft.com/office/drawing/2014/main" xmlns="" val="20002"/>
+                      <a16:colId xmlns="" xmlns:a16="http://schemas.microsoft.com/office/drawing/2014/main" val="20002"/>
                     </a:ext>
                   </a:extLst>
                 </a:gridCol>
@@ -20534,7 +20517,7 @@
                 </a:tc>
                 <a:extLst>
                   <a:ext uri="{0D108BD9-81ED-4DB2-BD59-A6C34878D82A}">
-                    <a16:rowId xmlns:a16="http://schemas.microsoft.com/office/drawing/2014/main" xmlns="" val="10000"/>
+                    <a16:rowId xmlns="" xmlns:a16="http://schemas.microsoft.com/office/drawing/2014/main" val="10000"/>
                   </a:ext>
                 </a:extLst>
               </a:tr>
@@ -20564,62 +20547,6 @@
                         <a:solidFill>
                           <a:schemeClr val="accent1"/>
                         </a:solidFill>
-                      </a:endParaRPr>
-                    </a:p>
-                  </a:txBody>
-                  <a:tcPr/>
-                </a:tc>
-                <a:tc>
-                  <a:txBody>
-                    <a:bodyPr/>
-                    <a:lstStyle/>
-                    <a:p>
-                      <a:r>
-                        <a:rPr lang="en-US" sz="2000" kern="1200" dirty="0">
-                          <a:solidFill>
-                            <a:schemeClr val="dk1"/>
-                          </a:solidFill>
-                          <a:latin typeface="+mn-lt"/>
-                          <a:ea typeface="+mn-ea"/>
-                          <a:cs typeface="+mn-cs"/>
-                        </a:rPr>
-                        <a:t>Forecasting </a:t>
-                      </a:r>
-                    </a:p>
-                  </a:txBody>
-                  <a:tcPr/>
-                </a:tc>
-                <a:extLst>
-                  <a:ext uri="{0D108BD9-81ED-4DB2-BD59-A6C34878D82A}">
-                    <a16:rowId xmlns:a16="http://schemas.microsoft.com/office/drawing/2014/main" xmlns="" val="10001"/>
-                  </a:ext>
-                </a:extLst>
-              </a:tr>
-              <a:tr h="370840">
-                <a:tc>
-                  <a:txBody>
-                    <a:bodyPr/>
-                    <a:lstStyle/>
-                    <a:p>
-                      <a:pPr algn="ctr"/>
-                      <a:endParaRPr lang="en-US" sz="2000" dirty="0"/>
-                    </a:p>
-                  </a:txBody>
-                  <a:tcPr/>
-                </a:tc>
-                <a:tc>
-                  <a:txBody>
-                    <a:bodyPr/>
-                    <a:lstStyle/>
-                    <a:p>
-                      <a:pPr algn="ctr"/>
-                      <a:endParaRPr lang="en-US" sz="2000" b="1" kern="1200" dirty="0">
-                        <a:solidFill>
-                          <a:schemeClr val="accent1"/>
-                        </a:solidFill>
-                        <a:latin typeface="+mn-lt"/>
-                        <a:ea typeface="+mn-ea"/>
-                        <a:cs typeface="+mn-cs"/>
                       </a:endParaRPr>
                     </a:p>
                   </a:txBody>
@@ -20639,7 +20566,7 @@
                           <a:ea typeface="+mn-ea"/>
                           <a:cs typeface="+mn-cs"/>
                         </a:rPr>
-                        <a:t>Break</a:t>
+                        <a:t>Homework Review – Roman</a:t>
                       </a:r>
                       <a:endParaRPr lang="en-US" sz="2000" kern="1200" dirty="0">
                         <a:solidFill>
@@ -20655,7 +20582,7 @@
                 </a:tc>
                 <a:extLst>
                   <a:ext uri="{0D108BD9-81ED-4DB2-BD59-A6C34878D82A}">
-                    <a16:rowId xmlns:a16="http://schemas.microsoft.com/office/drawing/2014/main" xmlns="" val="10002"/>
+                    <a16:rowId xmlns="" xmlns:a16="http://schemas.microsoft.com/office/drawing/2014/main" val="10001"/>
                   </a:ext>
                 </a:extLst>
               </a:tr>
@@ -20688,8 +20615,65 @@
                     <a:lstStyle/>
                     <a:p>
                       <a:r>
+                        <a:rPr lang="en-US" sz="2000" kern="1200" dirty="0" smtClean="0">
+                          <a:solidFill>
+                            <a:schemeClr val="dk1"/>
+                          </a:solidFill>
+                          <a:latin typeface="+mn-lt"/>
+                          <a:ea typeface="+mn-ea"/>
+                          <a:cs typeface="+mn-cs"/>
+                        </a:rPr>
+                        <a:t>Forecasting</a:t>
+                      </a:r>
+                      <a:endParaRPr lang="en-US" sz="2000" kern="1200" dirty="0">
+                        <a:solidFill>
+                          <a:schemeClr val="dk1"/>
+                        </a:solidFill>
+                        <a:latin typeface="+mn-lt"/>
+                        <a:ea typeface="+mn-ea"/>
+                        <a:cs typeface="+mn-cs"/>
+                      </a:endParaRPr>
+                    </a:p>
+                  </a:txBody>
+                  <a:tcPr/>
+                </a:tc>
+                <a:extLst>
+                  <a:ext uri="{0D108BD9-81ED-4DB2-BD59-A6C34878D82A}">
+                    <a16:rowId xmlns="" xmlns:a16="http://schemas.microsoft.com/office/drawing/2014/main" val="10002"/>
+                  </a:ext>
+                </a:extLst>
+              </a:tr>
+              <a:tr h="370840">
+                <a:tc>
+                  <a:txBody>
+                    <a:bodyPr/>
+                    <a:lstStyle/>
+                    <a:p>
+                      <a:pPr algn="ctr"/>
+                      <a:endParaRPr lang="en-US" sz="2000" dirty="0"/>
+                    </a:p>
+                  </a:txBody>
+                  <a:tcPr/>
+                </a:tc>
+                <a:tc>
+                  <a:txBody>
+                    <a:bodyPr/>
+                    <a:lstStyle/>
+                    <a:p>
+                      <a:pPr algn="ctr"/>
+                      <a:endParaRPr lang="en-US" sz="2000" dirty="0"/>
+                    </a:p>
+                  </a:txBody>
+                  <a:tcPr/>
+                </a:tc>
+                <a:tc>
+                  <a:txBody>
+                    <a:bodyPr/>
+                    <a:lstStyle/>
+                    <a:p>
+                      <a:r>
                         <a:rPr lang="en-US" sz="2000" dirty="0" smtClean="0"/>
-                        <a:t>Naïve Forecasting</a:t>
+                        <a:t>Naïve</a:t>
                       </a:r>
                       <a:endParaRPr lang="en-US" sz="2000" dirty="0"/>
                     </a:p>
@@ -20698,7 +20682,7 @@
                 </a:tc>
                 <a:extLst>
                   <a:ext uri="{0D108BD9-81ED-4DB2-BD59-A6C34878D82A}">
-                    <a16:rowId xmlns:a16="http://schemas.microsoft.com/office/drawing/2014/main" xmlns="" val="10003"/>
+                    <a16:rowId xmlns="" xmlns:a16="http://schemas.microsoft.com/office/drawing/2014/main" val="10003"/>
                   </a:ext>
                 </a:extLst>
               </a:tr>
@@ -20741,64 +20725,7 @@
                 </a:tc>
                 <a:extLst>
                   <a:ext uri="{0D108BD9-81ED-4DB2-BD59-A6C34878D82A}">
-                    <a16:rowId xmlns:a16="http://schemas.microsoft.com/office/drawing/2014/main" xmlns="" val="10004"/>
-                  </a:ext>
-                </a:extLst>
-              </a:tr>
-              <a:tr h="370840">
-                <a:tc>
-                  <a:txBody>
-                    <a:bodyPr/>
-                    <a:lstStyle/>
-                    <a:p>
-                      <a:pPr algn="ctr"/>
-                      <a:endParaRPr lang="en-US" sz="2000" dirty="0"/>
-                    </a:p>
-                  </a:txBody>
-                  <a:tcPr/>
-                </a:tc>
-                <a:tc>
-                  <a:txBody>
-                    <a:bodyPr/>
-                    <a:lstStyle/>
-                    <a:p>
-                      <a:pPr algn="ctr"/>
-                      <a:endParaRPr lang="en-US" sz="2000" dirty="0"/>
-                    </a:p>
-                  </a:txBody>
-                  <a:tcPr/>
-                </a:tc>
-                <a:tc>
-                  <a:txBody>
-                    <a:bodyPr/>
-                    <a:lstStyle/>
-                    <a:p>
-                      <a:r>
-                        <a:rPr lang="en-US" sz="2000" b="1" kern="1200" dirty="0" smtClean="0">
-                          <a:solidFill>
-                            <a:schemeClr val="accent1"/>
-                          </a:solidFill>
-                          <a:latin typeface="+mn-lt"/>
-                          <a:ea typeface="+mn-ea"/>
-                          <a:cs typeface="+mn-cs"/>
-                        </a:rPr>
-                        <a:t>Break</a:t>
-                      </a:r>
-                      <a:endParaRPr lang="en-US" sz="2000" b="1" kern="1200" dirty="0">
-                        <a:solidFill>
-                          <a:schemeClr val="accent1"/>
-                        </a:solidFill>
-                        <a:latin typeface="+mn-lt"/>
-                        <a:ea typeface="+mn-ea"/>
-                        <a:cs typeface="+mn-cs"/>
-                      </a:endParaRPr>
-                    </a:p>
-                  </a:txBody>
-                  <a:tcPr/>
-                </a:tc>
-                <a:extLst>
-                  <a:ext uri="{0D108BD9-81ED-4DB2-BD59-A6C34878D82A}">
-                    <a16:rowId xmlns:a16="http://schemas.microsoft.com/office/drawing/2014/main" xmlns="" val="10005"/>
+                    <a16:rowId xmlns="" xmlns:a16="http://schemas.microsoft.com/office/drawing/2014/main" val="10004"/>
                   </a:ext>
                 </a:extLst>
               </a:tr>
@@ -20841,7 +20768,7 @@
                 </a:tc>
                 <a:extLst>
                   <a:ext uri="{0D108BD9-81ED-4DB2-BD59-A6C34878D82A}">
-                    <a16:rowId xmlns:a16="http://schemas.microsoft.com/office/drawing/2014/main" xmlns="" val="10006"/>
+                    <a16:rowId xmlns="" xmlns:a16="http://schemas.microsoft.com/office/drawing/2014/main" val="10005"/>
                   </a:ext>
                 </a:extLst>
               </a:tr>
@@ -20873,29 +20800,10 @@
                     <a:bodyPr/>
                     <a:lstStyle/>
                     <a:p>
-                      <a:pPr marL="0" marR="0" lvl="0" indent="0" algn="l" defTabSz="685800" rtl="0" eaLnBrk="1" fontAlgn="auto" latinLnBrk="0" hangingPunct="1">
-                        <a:lnSpc>
-                          <a:spcPct val="100000"/>
-                        </a:lnSpc>
-                        <a:spcBef>
-                          <a:spcPts val="0"/>
-                        </a:spcBef>
-                        <a:spcAft>
-                          <a:spcPts val="0"/>
-                        </a:spcAft>
-                        <a:buClrTx/>
-                        <a:buSzTx/>
-                        <a:buFontTx/>
-                        <a:buNone/>
-                        <a:tabLst/>
-                        <a:defRPr/>
-                      </a:pPr>
                       <a:r>
                         <a:rPr lang="en-US" sz="2000" dirty="0" smtClean="0"/>
-                        <a:t>Workforce Planning Example</a:t>
+                        <a:t>Regression based forecasting</a:t>
                       </a:r>
-                    </a:p>
-                    <a:p>
                       <a:endParaRPr lang="en-US" sz="2000" dirty="0"/>
                     </a:p>
                   </a:txBody>
@@ -20903,7 +20811,50 @@
                 </a:tc>
                 <a:extLst>
                   <a:ext uri="{0D108BD9-81ED-4DB2-BD59-A6C34878D82A}">
-                    <a16:rowId xmlns:a16="http://schemas.microsoft.com/office/drawing/2014/main" xmlns="" val="10007"/>
+                    <a16:rowId xmlns="" xmlns:a16="http://schemas.microsoft.com/office/drawing/2014/main" val="10006"/>
+                  </a:ext>
+                </a:extLst>
+              </a:tr>
+              <a:tr h="370840">
+                <a:tc>
+                  <a:txBody>
+                    <a:bodyPr/>
+                    <a:lstStyle/>
+                    <a:p>
+                      <a:pPr algn="ctr"/>
+                      <a:endParaRPr lang="en-US" sz="2000" dirty="0"/>
+                    </a:p>
+                  </a:txBody>
+                  <a:tcPr/>
+                </a:tc>
+                <a:tc>
+                  <a:txBody>
+                    <a:bodyPr/>
+                    <a:lstStyle/>
+                    <a:p>
+                      <a:pPr algn="ctr"/>
+                      <a:endParaRPr lang="en-US" sz="2000" dirty="0"/>
+                    </a:p>
+                  </a:txBody>
+                  <a:tcPr/>
+                </a:tc>
+                <a:tc>
+                  <a:txBody>
+                    <a:bodyPr/>
+                    <a:lstStyle/>
+                    <a:p>
+                      <a:r>
+                        <a:rPr lang="en-US" sz="2000" dirty="0" smtClean="0"/>
+                        <a:t>ARIMA (time permitting)</a:t>
+                      </a:r>
+                      <a:endParaRPr lang="en-US" sz="2000" dirty="0"/>
+                    </a:p>
+                  </a:txBody>
+                  <a:tcPr/>
+                </a:tc>
+                <a:extLst>
+                  <a:ext uri="{0D108BD9-81ED-4DB2-BD59-A6C34878D82A}">
+                    <a16:rowId xmlns="" xmlns:a16="http://schemas.microsoft.com/office/drawing/2014/main" val="10007"/>
                   </a:ext>
                 </a:extLst>
               </a:tr>
@@ -20928,7 +20879,7 @@
           <a:p>
             <a:fld id="{9B19E99B-5349-415A-8E56-8E989211A366}" type="datetime1">
               <a:rPr lang="en-US" smtClean="0"/>
-              <a:t>7/22/2018</a:t>
+              <a:t>7/23/2018</a:t>
             </a:fld>
             <a:endParaRPr lang="en-US"/>
           </a:p>
@@ -20983,7 +20934,7 @@
     </p:spTree>
     <p:extLst>
       <p:ext uri="{BB962C8B-B14F-4D97-AF65-F5344CB8AC3E}">
-        <p14:creationId xmlns:p14="http://schemas.microsoft.com/office/powerpoint/2010/main" val="3719730525"/>
+        <p14:creationId xmlns:p14="http://schemas.microsoft.com/office/powerpoint/2010/main" val="2378571816"/>
       </p:ext>
     </p:extLst>
   </p:cSld>
@@ -21050,7 +21001,7 @@
           <a:p>
             <a:fld id="{D753EFC8-4232-4598-94F6-94C0EBAFC469}" type="datetime1">
               <a:rPr lang="en-US" smtClean="0"/>
-              <a:t>7/22/2018</a:t>
+              <a:t>7/23/2018</a:t>
             </a:fld>
             <a:endParaRPr lang="en-US"/>
           </a:p>
@@ -21760,7 +21711,7 @@
           <a:p>
             <a:fld id="{D753EFC8-4232-4598-94F6-94C0EBAFC469}" type="datetime1">
               <a:rPr lang="en-US" smtClean="0"/>
-              <a:t>7/22/2018</a:t>
+              <a:t>7/23/2018</a:t>
             </a:fld>
             <a:endParaRPr lang="en-US"/>
           </a:p>
@@ -22703,7 +22654,7 @@
           <a:p>
             <a:fld id="{D753EFC8-4232-4598-94F6-94C0EBAFC469}" type="datetime1">
               <a:rPr lang="en-US" smtClean="0"/>
-              <a:t>7/22/2018</a:t>
+              <a:t>7/23/2018</a:t>
             </a:fld>
             <a:endParaRPr lang="en-US"/>
           </a:p>
@@ -23656,7 +23607,7 @@
           <p:cNvPr id="2" name="Date Placeholder 1">
             <a:extLst>
               <a:ext uri="{FF2B5EF4-FFF2-40B4-BE49-F238E27FC236}">
-                <a16:creationId xmlns:a16="http://schemas.microsoft.com/office/drawing/2014/main" xmlns="" id="{3FE42EE3-9848-4091-AB32-9CD1544500AA}"/>
+                <a16:creationId xmlns="" xmlns:a16="http://schemas.microsoft.com/office/drawing/2014/main" id="{3FE42EE3-9848-4091-AB32-9CD1544500AA}"/>
               </a:ext>
             </a:extLst>
           </p:cNvPr>
@@ -23674,7 +23625,7 @@
           <a:p>
             <a:fld id="{6700A58B-DD98-43D0-B791-721480A02982}" type="datetime1">
               <a:rPr lang="en-US" smtClean="0"/>
-              <a:t>7/22/2018</a:t>
+              <a:t>7/23/2018</a:t>
             </a:fld>
             <a:endParaRPr lang="en-US"/>
           </a:p>
@@ -23685,7 +23636,7 @@
           <p:cNvPr id="3" name="Title 2">
             <a:extLst>
               <a:ext uri="{FF2B5EF4-FFF2-40B4-BE49-F238E27FC236}">
-                <a16:creationId xmlns:a16="http://schemas.microsoft.com/office/drawing/2014/main" xmlns="" id="{75CF0D48-1409-4FA8-BC35-CEE75BFEF286}"/>
+                <a16:creationId xmlns="" xmlns:a16="http://schemas.microsoft.com/office/drawing/2014/main" id="{75CF0D48-1409-4FA8-BC35-CEE75BFEF286}"/>
               </a:ext>
             </a:extLst>
           </p:cNvPr>
@@ -23718,7 +23669,7 @@
           <p:cNvPr id="4" name="Slide Number Placeholder 3">
             <a:extLst>
               <a:ext uri="{FF2B5EF4-FFF2-40B4-BE49-F238E27FC236}">
-                <a16:creationId xmlns:a16="http://schemas.microsoft.com/office/drawing/2014/main" xmlns="" id="{2236DEF1-B7DD-43A0-BF17-9242EB83DB1B}"/>
+                <a16:creationId xmlns="" xmlns:a16="http://schemas.microsoft.com/office/drawing/2014/main" id="{2236DEF1-B7DD-43A0-BF17-9242EB83DB1B}"/>
               </a:ext>
             </a:extLst>
           </p:cNvPr>
@@ -23747,7 +23698,7 @@
           <p:cNvPr id="5" name="Footer Placeholder 4">
             <a:extLst>
               <a:ext uri="{FF2B5EF4-FFF2-40B4-BE49-F238E27FC236}">
-                <a16:creationId xmlns:a16="http://schemas.microsoft.com/office/drawing/2014/main" xmlns="" id="{08728560-6A4E-47D2-9335-23EFE2B9303A}"/>
+                <a16:creationId xmlns="" xmlns:a16="http://schemas.microsoft.com/office/drawing/2014/main" id="{08728560-6A4E-47D2-9335-23EFE2B9303A}"/>
               </a:ext>
             </a:extLst>
           </p:cNvPr>
@@ -23776,7 +23727,7 @@
           <p:cNvPr id="6" name="Rectangle 5">
             <a:extLst>
               <a:ext uri="{FF2B5EF4-FFF2-40B4-BE49-F238E27FC236}">
-                <a16:creationId xmlns:a16="http://schemas.microsoft.com/office/drawing/2014/main" xmlns="" id="{7AAD1D07-F801-42E5-819D-E8E714D70829}"/>
+                <a16:creationId xmlns="" xmlns:a16="http://schemas.microsoft.com/office/drawing/2014/main" id="{7AAD1D07-F801-42E5-819D-E8E714D70829}"/>
               </a:ext>
             </a:extLst>
           </p:cNvPr>
@@ -23826,7 +23777,7 @@
           <p:cNvPr id="8" name="TextBox 7">
             <a:extLst>
               <a:ext uri="{FF2B5EF4-FFF2-40B4-BE49-F238E27FC236}">
-                <a16:creationId xmlns:a16="http://schemas.microsoft.com/office/drawing/2014/main" xmlns="" id="{92385DCF-E141-4D39-B06E-9C9C5AF21B3D}"/>
+                <a16:creationId xmlns="" xmlns:a16="http://schemas.microsoft.com/office/drawing/2014/main" id="{92385DCF-E141-4D39-B06E-9C9C5AF21B3D}"/>
               </a:ext>
             </a:extLst>
           </p:cNvPr>
@@ -24120,7 +24071,7 @@
           <a:p>
             <a:fld id="{D753EFC8-4232-4598-94F6-94C0EBAFC469}" type="datetime1">
               <a:rPr lang="en-US" smtClean="0"/>
-              <a:t>7/22/2018</a:t>
+              <a:t>7/23/2018</a:t>
             </a:fld>
             <a:endParaRPr lang="en-US"/>
           </a:p>
@@ -24434,7 +24385,7 @@
           <a:p>
             <a:fld id="{D753EFC8-4232-4598-94F6-94C0EBAFC469}" type="datetime1">
               <a:rPr lang="en-US" smtClean="0"/>
-              <a:t>7/22/2018</a:t>
+              <a:t>7/23/2018</a:t>
             </a:fld>
             <a:endParaRPr lang="en-US"/>
           </a:p>
@@ -25013,7 +24964,7 @@
           <a:p>
             <a:fld id="{D753EFC8-4232-4598-94F6-94C0EBAFC469}" type="datetime1">
               <a:rPr lang="en-US" smtClean="0"/>
-              <a:t>7/22/2018</a:t>
+              <a:t>7/23/2018</a:t>
             </a:fld>
             <a:endParaRPr lang="en-US"/>
           </a:p>
@@ -25993,7 +25944,7 @@
           <a:p>
             <a:fld id="{D753EFC8-4232-4598-94F6-94C0EBAFC469}" type="datetime1">
               <a:rPr lang="en-US" smtClean="0"/>
-              <a:t>7/22/2018</a:t>
+              <a:t>7/23/2018</a:t>
             </a:fld>
             <a:endParaRPr lang="en-US"/>
           </a:p>
@@ -26153,7 +26104,7 @@
           <a:graphicData uri="http://schemas.openxmlformats.org/presentationml/2006/ole">
             <mc:AlternateContent xmlns:mc="http://schemas.openxmlformats.org/markup-compatibility/2006">
               <mc:Choice xmlns:v="urn:schemas-microsoft-com:vml" Requires="v">
-                <p:oleObj spid="_x0000_s12326" name="think-cell Slide" r:id="rId4" imgW="270" imgH="270" progId="TCLayout.ActiveDocument.1">
+                <p:oleObj spid="_x0000_s12327" name="think-cell Slide" r:id="rId4" imgW="270" imgH="270" progId="TCLayout.ActiveDocument.1">
                   <p:embed/>
                 </p:oleObj>
               </mc:Choice>
@@ -27780,7 +27731,7 @@
           <a:p>
             <a:fld id="{D753EFC8-4232-4598-94F6-94C0EBAFC469}" type="datetime1">
               <a:rPr lang="en-US" smtClean="0"/>
-              <a:t>7/22/2018</a:t>
+              <a:t>7/23/2018</a:t>
             </a:fld>
             <a:endParaRPr lang="en-US"/>
           </a:p>
@@ -27909,21 +27860,21 @@
                 <a:gridCol w="1242805">
                   <a:extLst>
                     <a:ext uri="{9D8B030D-6E8A-4147-A177-3AD203B41FA5}">
-                      <a16:colId xmlns:a16="http://schemas.microsoft.com/office/drawing/2014/main" xmlns="" val="20000"/>
+                      <a16:colId xmlns="" xmlns:a16="http://schemas.microsoft.com/office/drawing/2014/main" val="20000"/>
                     </a:ext>
                   </a:extLst>
                 </a:gridCol>
                 <a:gridCol w="861296">
                   <a:extLst>
                     <a:ext uri="{9D8B030D-6E8A-4147-A177-3AD203B41FA5}">
-                      <a16:colId xmlns:a16="http://schemas.microsoft.com/office/drawing/2014/main" xmlns="" val="20001"/>
+                      <a16:colId xmlns="" xmlns:a16="http://schemas.microsoft.com/office/drawing/2014/main" val="20001"/>
                     </a:ext>
                   </a:extLst>
                 </a:gridCol>
                 <a:gridCol w="5811174">
                   <a:extLst>
                     <a:ext uri="{9D8B030D-6E8A-4147-A177-3AD203B41FA5}">
-                      <a16:colId xmlns:a16="http://schemas.microsoft.com/office/drawing/2014/main" xmlns="" val="20002"/>
+                      <a16:colId xmlns="" xmlns:a16="http://schemas.microsoft.com/office/drawing/2014/main" val="20002"/>
                     </a:ext>
                   </a:extLst>
                 </a:gridCol>
@@ -27972,7 +27923,7 @@
                 </a:tc>
                 <a:extLst>
                   <a:ext uri="{0D108BD9-81ED-4DB2-BD59-A6C34878D82A}">
-                    <a16:rowId xmlns:a16="http://schemas.microsoft.com/office/drawing/2014/main" xmlns="" val="10000"/>
+                    <a16:rowId xmlns="" xmlns:a16="http://schemas.microsoft.com/office/drawing/2014/main" val="10000"/>
                   </a:ext>
                 </a:extLst>
               </a:tr>
@@ -28013,20 +27964,31 @@
                     <a:lstStyle/>
                     <a:p>
                       <a:r>
-                        <a:rPr lang="en-US" sz="2000" b="1" dirty="0">
+                        <a:rPr lang="en-US" sz="2000" kern="1200" dirty="0" smtClean="0">
                           <a:solidFill>
-                            <a:schemeClr val="accent1"/>
+                            <a:schemeClr val="dk1"/>
                           </a:solidFill>
+                          <a:latin typeface="+mn-lt"/>
+                          <a:ea typeface="+mn-ea"/>
+                          <a:cs typeface="+mn-cs"/>
                         </a:rPr>
-                        <a:t>Forecasting </a:t>
+                        <a:t>Homework Review – Roman</a:t>
                       </a:r>
+                      <a:endParaRPr lang="en-US" sz="2000" kern="1200" dirty="0">
+                        <a:solidFill>
+                          <a:schemeClr val="dk1"/>
+                        </a:solidFill>
+                        <a:latin typeface="+mn-lt"/>
+                        <a:ea typeface="+mn-ea"/>
+                        <a:cs typeface="+mn-cs"/>
+                      </a:endParaRPr>
                     </a:p>
                   </a:txBody>
                   <a:tcPr/>
                 </a:tc>
                 <a:extLst>
                   <a:ext uri="{0D108BD9-81ED-4DB2-BD59-A6C34878D82A}">
-                    <a16:rowId xmlns:a16="http://schemas.microsoft.com/office/drawing/2014/main" xmlns="" val="10001"/>
+                    <a16:rowId xmlns="" xmlns:a16="http://schemas.microsoft.com/office/drawing/2014/main" val="10001"/>
                   </a:ext>
                 </a:extLst>
               </a:tr>
@@ -28059,16 +28021,31 @@
                     <a:lstStyle/>
                     <a:p>
                       <a:r>
-                        <a:rPr lang="en-US" sz="2000" dirty="0"/>
-                        <a:t>Method A</a:t>
+                        <a:rPr lang="en-US" sz="2000" kern="1200" dirty="0" smtClean="0">
+                          <a:solidFill>
+                            <a:schemeClr val="dk1"/>
+                          </a:solidFill>
+                          <a:latin typeface="+mn-lt"/>
+                          <a:ea typeface="+mn-ea"/>
+                          <a:cs typeface="+mn-cs"/>
+                        </a:rPr>
+                        <a:t>Forecasting</a:t>
                       </a:r>
+                      <a:endParaRPr lang="en-US" sz="2000" kern="1200" dirty="0">
+                        <a:solidFill>
+                          <a:schemeClr val="dk1"/>
+                        </a:solidFill>
+                        <a:latin typeface="+mn-lt"/>
+                        <a:ea typeface="+mn-ea"/>
+                        <a:cs typeface="+mn-cs"/>
+                      </a:endParaRPr>
                     </a:p>
                   </a:txBody>
                   <a:tcPr/>
                 </a:tc>
                 <a:extLst>
                   <a:ext uri="{0D108BD9-81ED-4DB2-BD59-A6C34878D82A}">
-                    <a16:rowId xmlns:a16="http://schemas.microsoft.com/office/drawing/2014/main" xmlns="" val="10002"/>
+                    <a16:rowId xmlns="" xmlns:a16="http://schemas.microsoft.com/office/drawing/2014/main" val="10002"/>
                   </a:ext>
                 </a:extLst>
               </a:tr>
@@ -28101,16 +28078,17 @@
                     <a:lstStyle/>
                     <a:p>
                       <a:r>
-                        <a:rPr lang="en-US" sz="2000" dirty="0"/>
-                        <a:t>Method B</a:t>
+                        <a:rPr lang="en-US" sz="2000" dirty="0" smtClean="0"/>
+                        <a:t>Naïve</a:t>
                       </a:r>
+                      <a:endParaRPr lang="en-US" sz="2000" dirty="0"/>
                     </a:p>
                   </a:txBody>
                   <a:tcPr/>
                 </a:tc>
                 <a:extLst>
                   <a:ext uri="{0D108BD9-81ED-4DB2-BD59-A6C34878D82A}">
-                    <a16:rowId xmlns:a16="http://schemas.microsoft.com/office/drawing/2014/main" xmlns="" val="10003"/>
+                    <a16:rowId xmlns="" xmlns:a16="http://schemas.microsoft.com/office/drawing/2014/main" val="10003"/>
                   </a:ext>
                 </a:extLst>
               </a:tr>
@@ -28143,16 +28121,17 @@
                     <a:lstStyle/>
                     <a:p>
                       <a:r>
-                        <a:rPr lang="en-US" sz="2000" dirty="0"/>
-                        <a:t>Method C</a:t>
+                        <a:rPr lang="en-US" sz="2000" dirty="0" smtClean="0"/>
+                        <a:t>Time Series Decomposition</a:t>
                       </a:r>
+                      <a:endParaRPr lang="en-US" sz="2000" dirty="0"/>
                     </a:p>
                   </a:txBody>
                   <a:tcPr/>
                 </a:tc>
                 <a:extLst>
                   <a:ext uri="{0D108BD9-81ED-4DB2-BD59-A6C34878D82A}">
-                    <a16:rowId xmlns:a16="http://schemas.microsoft.com/office/drawing/2014/main" xmlns="" val="10004"/>
+                    <a16:rowId xmlns="" xmlns:a16="http://schemas.microsoft.com/office/drawing/2014/main" val="10004"/>
                   </a:ext>
                 </a:extLst>
               </a:tr>
@@ -28185,16 +28164,17 @@
                     <a:lstStyle/>
                     <a:p>
                       <a:r>
-                        <a:rPr lang="en-US" sz="2000" dirty="0"/>
-                        <a:t>Workforce Planning Example</a:t>
+                        <a:rPr lang="en-US" sz="2000" dirty="0" smtClean="0"/>
+                        <a:t>Holt Winters</a:t>
                       </a:r>
+                      <a:endParaRPr lang="en-US" sz="2000" dirty="0"/>
                     </a:p>
                   </a:txBody>
                   <a:tcPr/>
                 </a:tc>
                 <a:extLst>
                   <a:ext uri="{0D108BD9-81ED-4DB2-BD59-A6C34878D82A}">
-                    <a16:rowId xmlns:a16="http://schemas.microsoft.com/office/drawing/2014/main" xmlns="" val="10005"/>
+                    <a16:rowId xmlns="" xmlns:a16="http://schemas.microsoft.com/office/drawing/2014/main" val="10005"/>
                   </a:ext>
                 </a:extLst>
               </a:tr>
@@ -28226,6 +28206,10 @@
                     <a:bodyPr/>
                     <a:lstStyle/>
                     <a:p>
+                      <a:r>
+                        <a:rPr lang="en-US" sz="2000" dirty="0" smtClean="0"/>
+                        <a:t>Regression based forecasting</a:t>
+                      </a:r>
                       <a:endParaRPr lang="en-US" sz="2000" dirty="0"/>
                     </a:p>
                   </a:txBody>
@@ -28233,7 +28217,7 @@
                 </a:tc>
                 <a:extLst>
                   <a:ext uri="{0D108BD9-81ED-4DB2-BD59-A6C34878D82A}">
-                    <a16:rowId xmlns:a16="http://schemas.microsoft.com/office/drawing/2014/main" xmlns="" val="10006"/>
+                    <a16:rowId xmlns="" xmlns:a16="http://schemas.microsoft.com/office/drawing/2014/main" val="10006"/>
                   </a:ext>
                 </a:extLst>
               </a:tr>
@@ -28265,6 +28249,10 @@
                     <a:bodyPr/>
                     <a:lstStyle/>
                     <a:p>
+                      <a:r>
+                        <a:rPr lang="en-US" sz="2000" dirty="0" smtClean="0"/>
+                        <a:t>ARIMA (time permitting)</a:t>
+                      </a:r>
                       <a:endParaRPr lang="en-US" sz="2000" dirty="0"/>
                     </a:p>
                   </a:txBody>
@@ -28272,7 +28260,7 @@
                 </a:tc>
                 <a:extLst>
                   <a:ext uri="{0D108BD9-81ED-4DB2-BD59-A6C34878D82A}">
-                    <a16:rowId xmlns:a16="http://schemas.microsoft.com/office/drawing/2014/main" xmlns="" val="10007"/>
+                    <a16:rowId xmlns="" xmlns:a16="http://schemas.microsoft.com/office/drawing/2014/main" val="10007"/>
                   </a:ext>
                 </a:extLst>
               </a:tr>
@@ -28297,7 +28285,7 @@
           <a:p>
             <a:fld id="{9B19E99B-5349-415A-8E56-8E989211A366}" type="datetime1">
               <a:rPr lang="en-US" smtClean="0"/>
-              <a:t>7/22/2018</a:t>
+              <a:t>7/23/2018</a:t>
             </a:fld>
             <a:endParaRPr lang="en-US"/>
           </a:p>
@@ -28352,7 +28340,7 @@
     </p:spTree>
     <p:extLst>
       <p:ext uri="{BB962C8B-B14F-4D97-AF65-F5344CB8AC3E}">
-        <p14:creationId xmlns:p14="http://schemas.microsoft.com/office/powerpoint/2010/main" val="3767986941"/>
+        <p14:creationId xmlns:p14="http://schemas.microsoft.com/office/powerpoint/2010/main" val="782107377"/>
       </p:ext>
     </p:extLst>
   </p:cSld>
@@ -28419,7 +28407,7 @@
           <a:p>
             <a:fld id="{D753EFC8-4232-4598-94F6-94C0EBAFC469}" type="datetime1">
               <a:rPr lang="en-US" smtClean="0"/>
-              <a:t>7/22/2018</a:t>
+              <a:t>7/23/2018</a:t>
             </a:fld>
             <a:endParaRPr lang="en-US"/>
           </a:p>
@@ -28890,7 +28878,7 @@
           <a:p>
             <a:fld id="{D753EFC8-4232-4598-94F6-94C0EBAFC469}" type="datetime1">
               <a:rPr lang="en-US" smtClean="0"/>
-              <a:t>7/22/2018</a:t>
+              <a:t>7/23/2018</a:t>
             </a:fld>
             <a:endParaRPr lang="en-US"/>
           </a:p>
@@ -29453,7 +29441,7 @@
           <a:graphicData uri="http://schemas.openxmlformats.org/presentationml/2006/ole">
             <mc:AlternateContent xmlns:mc="http://schemas.openxmlformats.org/markup-compatibility/2006">
               <mc:Choice xmlns:v="urn:schemas-microsoft-com:vml" Requires="v">
-                <p:oleObj spid="_x0000_s13347" name="think-cell Slide" r:id="rId5" imgW="270" imgH="270" progId="TCLayout.ActiveDocument.1">
+                <p:oleObj spid="_x0000_s13348" name="think-cell Slide" r:id="rId5" imgW="270" imgH="270" progId="TCLayout.ActiveDocument.1">
                   <p:embed/>
                 </p:oleObj>
               </mc:Choice>
@@ -30243,7 +30231,7 @@
           <a:p>
             <a:fld id="{7DB6E382-4F61-4E24-BE1A-377EC83D0E3A}" type="datetime1">
               <a:rPr lang="en-US" smtClean="0"/>
-              <a:t>7/22/2018</a:t>
+              <a:t>7/23/2018</a:t>
             </a:fld>
             <a:endParaRPr lang="en-US"/>
           </a:p>
@@ -30798,7 +30786,7 @@
           <a:p>
             <a:fld id="{D753EFC8-4232-4598-94F6-94C0EBAFC469}" type="datetime1">
               <a:rPr lang="en-US" smtClean="0"/>
-              <a:t>7/22/2018</a:t>
+              <a:t>7/23/2018</a:t>
             </a:fld>
             <a:endParaRPr lang="en-US"/>
           </a:p>
@@ -31466,11 +31454,7 @@
             </a:pPr>
             <a:r>
               <a:rPr lang="en-US" b="1" dirty="0" smtClean="0"/>
-              <a:t>Return to original units by taking exponent of model </a:t>
-            </a:r>
-            <a:r>
-              <a:rPr lang="en-US" b="1" dirty="0" smtClean="0"/>
-              <a:t>forecasts using the function </a:t>
+              <a:t>Return to original units by taking exponent of model forecasts using the function </a:t>
             </a:r>
             <a:r>
               <a:rPr lang="en-US" b="1" dirty="0" err="1" smtClean="0"/>
@@ -31480,7 +31464,6 @@
               <a:rPr lang="en-US" b="1" dirty="0" smtClean="0"/>
               <a:t>()</a:t>
             </a:r>
-            <a:endParaRPr lang="en-US" b="1" dirty="0" smtClean="0"/>
           </a:p>
           <a:p>
             <a:pPr>
@@ -31548,7 +31531,7 @@
           <a:p>
             <a:fld id="{7DB6E382-4F61-4E24-BE1A-377EC83D0E3A}" type="datetime1">
               <a:rPr lang="en-US" smtClean="0"/>
-              <a:t>7/22/2018</a:t>
+              <a:t>7/23/2018</a:t>
             </a:fld>
             <a:endParaRPr lang="en-US"/>
           </a:p>
@@ -32152,7 +32135,7 @@
           <a:p>
             <a:fld id="{6700A58B-DD98-43D0-B791-721480A02982}" type="datetime1">
               <a:rPr lang="en-US" smtClean="0"/>
-              <a:t>7/22/2018</a:t>
+              <a:t>7/23/2018</a:t>
             </a:fld>
             <a:endParaRPr lang="en-US"/>
           </a:p>
@@ -33752,7 +33735,7 @@
           <a:p>
             <a:fld id="{6700A58B-DD98-43D0-B791-721480A02982}" type="datetime1">
               <a:rPr lang="en-US" smtClean="0"/>
-              <a:t>7/22/2018</a:t>
+              <a:t>7/23/2018</a:t>
             </a:fld>
             <a:endParaRPr lang="en-US"/>
           </a:p>
@@ -34901,7 +34884,7 @@
           <p:cNvPr id="2" name="Date Placeholder 1">
             <a:extLst>
               <a:ext uri="{FF2B5EF4-FFF2-40B4-BE49-F238E27FC236}">
-                <a16:creationId xmlns:a16="http://schemas.microsoft.com/office/drawing/2014/main" xmlns="" id="{B1BF93EB-721E-440E-B1E4-0F3176DDC335}"/>
+                <a16:creationId xmlns="" xmlns:a16="http://schemas.microsoft.com/office/drawing/2014/main" id="{B1BF93EB-721E-440E-B1E4-0F3176DDC335}"/>
               </a:ext>
             </a:extLst>
           </p:cNvPr>
@@ -34919,7 +34902,7 @@
           <a:p>
             <a:fld id="{6700A58B-DD98-43D0-B791-721480A02982}" type="datetime1">
               <a:rPr lang="en-US" smtClean="0"/>
-              <a:t>7/22/2018</a:t>
+              <a:t>7/23/2018</a:t>
             </a:fld>
             <a:endParaRPr lang="en-US"/>
           </a:p>
@@ -34930,7 +34913,7 @@
           <p:cNvPr id="3" name="Title 2">
             <a:extLst>
               <a:ext uri="{FF2B5EF4-FFF2-40B4-BE49-F238E27FC236}">
-                <a16:creationId xmlns:a16="http://schemas.microsoft.com/office/drawing/2014/main" xmlns="" id="{7EABDFEA-2E8D-4355-A525-5076AD5FDFD4}"/>
+                <a16:creationId xmlns="" xmlns:a16="http://schemas.microsoft.com/office/drawing/2014/main" id="{7EABDFEA-2E8D-4355-A525-5076AD5FDFD4}"/>
               </a:ext>
             </a:extLst>
           </p:cNvPr>
@@ -34958,7 +34941,7 @@
           <p:cNvPr id="4" name="Slide Number Placeholder 3">
             <a:extLst>
               <a:ext uri="{FF2B5EF4-FFF2-40B4-BE49-F238E27FC236}">
-                <a16:creationId xmlns:a16="http://schemas.microsoft.com/office/drawing/2014/main" xmlns="" id="{FE70CA59-1C1D-4B4E-8CB0-3562A01BFC26}"/>
+                <a16:creationId xmlns="" xmlns:a16="http://schemas.microsoft.com/office/drawing/2014/main" id="{FE70CA59-1C1D-4B4E-8CB0-3562A01BFC26}"/>
               </a:ext>
             </a:extLst>
           </p:cNvPr>
@@ -34987,7 +34970,7 @@
           <p:cNvPr id="5" name="Footer Placeholder 4">
             <a:extLst>
               <a:ext uri="{FF2B5EF4-FFF2-40B4-BE49-F238E27FC236}">
-                <a16:creationId xmlns:a16="http://schemas.microsoft.com/office/drawing/2014/main" xmlns="" id="{9AFC84E1-D2CB-4F12-96DE-2B79FDACA3AA}"/>
+                <a16:creationId xmlns="" xmlns:a16="http://schemas.microsoft.com/office/drawing/2014/main" id="{9AFC84E1-D2CB-4F12-96DE-2B79FDACA3AA}"/>
               </a:ext>
             </a:extLst>
           </p:cNvPr>
@@ -35016,7 +34999,7 @@
           <p:cNvPr id="6" name="Content Placeholder 2">
             <a:extLst>
               <a:ext uri="{FF2B5EF4-FFF2-40B4-BE49-F238E27FC236}">
-                <a16:creationId xmlns:a16="http://schemas.microsoft.com/office/drawing/2014/main" xmlns="" id="{7BED4843-F5A4-48C6-A2BC-D37A038D93CD}"/>
+                <a16:creationId xmlns="" xmlns:a16="http://schemas.microsoft.com/office/drawing/2014/main" id="{7BED4843-F5A4-48C6-A2BC-D37A038D93CD}"/>
               </a:ext>
             </a:extLst>
           </p:cNvPr>
@@ -35496,13 +35479,8 @@
           <a:p>
             <a:r>
               <a:rPr lang="en-US" dirty="0" smtClean="0"/>
-              <a:t>For Events, use more dummy </a:t>
-            </a:r>
-            <a:r>
-              <a:rPr lang="en-US" dirty="0" smtClean="0"/>
-              <a:t>variables</a:t>
-            </a:r>
-            <a:endParaRPr lang="en-US" dirty="0" smtClean="0"/>
+              <a:t>For Events, use more dummy variables</a:t>
+            </a:r>
           </a:p>
         </p:txBody>
       </p:sp>
@@ -35553,7 +35531,7 @@
           <a:p>
             <a:fld id="{6700A58B-DD98-43D0-B791-721480A02982}" type="datetime1">
               <a:rPr lang="en-US" smtClean="0"/>
-              <a:t>7/22/2018</a:t>
+              <a:t>7/23/2018</a:t>
             </a:fld>
             <a:endParaRPr lang="en-US"/>
           </a:p>
@@ -35705,21 +35683,21 @@
                 <a:gridCol w="1242805">
                   <a:extLst>
                     <a:ext uri="{9D8B030D-6E8A-4147-A177-3AD203B41FA5}">
-                      <a16:colId xmlns:a16="http://schemas.microsoft.com/office/drawing/2014/main" xmlns="" val="20000"/>
+                      <a16:colId xmlns="" xmlns:a16="http://schemas.microsoft.com/office/drawing/2014/main" val="20000"/>
                     </a:ext>
                   </a:extLst>
                 </a:gridCol>
                 <a:gridCol w="861296">
                   <a:extLst>
                     <a:ext uri="{9D8B030D-6E8A-4147-A177-3AD203B41FA5}">
-                      <a16:colId xmlns:a16="http://schemas.microsoft.com/office/drawing/2014/main" xmlns="" val="20001"/>
+                      <a16:colId xmlns="" xmlns:a16="http://schemas.microsoft.com/office/drawing/2014/main" val="20001"/>
                     </a:ext>
                   </a:extLst>
                 </a:gridCol>
                 <a:gridCol w="5811174">
                   <a:extLst>
                     <a:ext uri="{9D8B030D-6E8A-4147-A177-3AD203B41FA5}">
-                      <a16:colId xmlns:a16="http://schemas.microsoft.com/office/drawing/2014/main" xmlns="" val="20002"/>
+                      <a16:colId xmlns="" xmlns:a16="http://schemas.microsoft.com/office/drawing/2014/main" val="20002"/>
                     </a:ext>
                   </a:extLst>
                 </a:gridCol>
@@ -35768,7 +35746,7 @@
                 </a:tc>
                 <a:extLst>
                   <a:ext uri="{0D108BD9-81ED-4DB2-BD59-A6C34878D82A}">
-                    <a16:rowId xmlns:a16="http://schemas.microsoft.com/office/drawing/2014/main" xmlns="" val="10000"/>
+                    <a16:rowId xmlns="" xmlns:a16="http://schemas.microsoft.com/office/drawing/2014/main" val="10000"/>
                   </a:ext>
                 </a:extLst>
               </a:tr>
@@ -35809,20 +35787,31 @@
                     <a:lstStyle/>
                     <a:p>
                       <a:r>
-                        <a:rPr lang="en-US" sz="2000" b="1" dirty="0">
+                        <a:rPr lang="en-US" sz="2000" kern="1200" dirty="0" smtClean="0">
                           <a:solidFill>
-                            <a:schemeClr val="accent1"/>
+                            <a:schemeClr val="dk1"/>
                           </a:solidFill>
+                          <a:latin typeface="+mn-lt"/>
+                          <a:ea typeface="+mn-ea"/>
+                          <a:cs typeface="+mn-cs"/>
                         </a:rPr>
-                        <a:t>Forecasting </a:t>
+                        <a:t>Homework Review – Roman</a:t>
                       </a:r>
+                      <a:endParaRPr lang="en-US" sz="2000" kern="1200" dirty="0">
+                        <a:solidFill>
+                          <a:schemeClr val="dk1"/>
+                        </a:solidFill>
+                        <a:latin typeface="+mn-lt"/>
+                        <a:ea typeface="+mn-ea"/>
+                        <a:cs typeface="+mn-cs"/>
+                      </a:endParaRPr>
                     </a:p>
                   </a:txBody>
                   <a:tcPr/>
                 </a:tc>
                 <a:extLst>
                   <a:ext uri="{0D108BD9-81ED-4DB2-BD59-A6C34878D82A}">
-                    <a16:rowId xmlns:a16="http://schemas.microsoft.com/office/drawing/2014/main" xmlns="" val="10001"/>
+                    <a16:rowId xmlns="" xmlns:a16="http://schemas.microsoft.com/office/drawing/2014/main" val="10001"/>
                   </a:ext>
                 </a:extLst>
               </a:tr>
@@ -35855,16 +35844,31 @@
                     <a:lstStyle/>
                     <a:p>
                       <a:r>
-                        <a:rPr lang="en-US" sz="2000" dirty="0"/>
-                        <a:t>Method A</a:t>
+                        <a:rPr lang="en-US" sz="2000" kern="1200" dirty="0" smtClean="0">
+                          <a:solidFill>
+                            <a:schemeClr val="dk1"/>
+                          </a:solidFill>
+                          <a:latin typeface="+mn-lt"/>
+                          <a:ea typeface="+mn-ea"/>
+                          <a:cs typeface="+mn-cs"/>
+                        </a:rPr>
+                        <a:t>Forecasting</a:t>
                       </a:r>
+                      <a:endParaRPr lang="en-US" sz="2000" kern="1200" dirty="0">
+                        <a:solidFill>
+                          <a:schemeClr val="dk1"/>
+                        </a:solidFill>
+                        <a:latin typeface="+mn-lt"/>
+                        <a:ea typeface="+mn-ea"/>
+                        <a:cs typeface="+mn-cs"/>
+                      </a:endParaRPr>
                     </a:p>
                   </a:txBody>
                   <a:tcPr/>
                 </a:tc>
                 <a:extLst>
                   <a:ext uri="{0D108BD9-81ED-4DB2-BD59-A6C34878D82A}">
-                    <a16:rowId xmlns:a16="http://schemas.microsoft.com/office/drawing/2014/main" xmlns="" val="10002"/>
+                    <a16:rowId xmlns="" xmlns:a16="http://schemas.microsoft.com/office/drawing/2014/main" val="10002"/>
                   </a:ext>
                 </a:extLst>
               </a:tr>
@@ -35897,16 +35901,17 @@
                     <a:lstStyle/>
                     <a:p>
                       <a:r>
-                        <a:rPr lang="en-US" sz="2000" dirty="0"/>
-                        <a:t>Method B</a:t>
+                        <a:rPr lang="en-US" sz="2000" dirty="0" smtClean="0"/>
+                        <a:t>Naïve</a:t>
                       </a:r>
+                      <a:endParaRPr lang="en-US" sz="2000" dirty="0"/>
                     </a:p>
                   </a:txBody>
                   <a:tcPr/>
                 </a:tc>
                 <a:extLst>
                   <a:ext uri="{0D108BD9-81ED-4DB2-BD59-A6C34878D82A}">
-                    <a16:rowId xmlns:a16="http://schemas.microsoft.com/office/drawing/2014/main" xmlns="" val="10003"/>
+                    <a16:rowId xmlns="" xmlns:a16="http://schemas.microsoft.com/office/drawing/2014/main" val="10003"/>
                   </a:ext>
                 </a:extLst>
               </a:tr>
@@ -35939,16 +35944,17 @@
                     <a:lstStyle/>
                     <a:p>
                       <a:r>
-                        <a:rPr lang="en-US" sz="2000" dirty="0"/>
-                        <a:t>Method C</a:t>
+                        <a:rPr lang="en-US" sz="2000" dirty="0" smtClean="0"/>
+                        <a:t>Time Series Decomposition</a:t>
                       </a:r>
+                      <a:endParaRPr lang="en-US" sz="2000" dirty="0"/>
                     </a:p>
                   </a:txBody>
                   <a:tcPr/>
                 </a:tc>
                 <a:extLst>
                   <a:ext uri="{0D108BD9-81ED-4DB2-BD59-A6C34878D82A}">
-                    <a16:rowId xmlns:a16="http://schemas.microsoft.com/office/drawing/2014/main" xmlns="" val="10004"/>
+                    <a16:rowId xmlns="" xmlns:a16="http://schemas.microsoft.com/office/drawing/2014/main" val="10004"/>
                   </a:ext>
                 </a:extLst>
               </a:tr>
@@ -35981,16 +35987,17 @@
                     <a:lstStyle/>
                     <a:p>
                       <a:r>
-                        <a:rPr lang="en-US" sz="2000" dirty="0"/>
-                        <a:t>Workforce Planning Example</a:t>
+                        <a:rPr lang="en-US" sz="2000" dirty="0" smtClean="0"/>
+                        <a:t>Holt Winters</a:t>
                       </a:r>
+                      <a:endParaRPr lang="en-US" sz="2000" dirty="0"/>
                     </a:p>
                   </a:txBody>
                   <a:tcPr/>
                 </a:tc>
                 <a:extLst>
                   <a:ext uri="{0D108BD9-81ED-4DB2-BD59-A6C34878D82A}">
-                    <a16:rowId xmlns:a16="http://schemas.microsoft.com/office/drawing/2014/main" xmlns="" val="10005"/>
+                    <a16:rowId xmlns="" xmlns:a16="http://schemas.microsoft.com/office/drawing/2014/main" val="10005"/>
                   </a:ext>
                 </a:extLst>
               </a:tr>
@@ -36022,6 +36029,10 @@
                     <a:bodyPr/>
                     <a:lstStyle/>
                     <a:p>
+                      <a:r>
+                        <a:rPr lang="en-US" sz="2000" dirty="0" smtClean="0"/>
+                        <a:t>Regression based forecasting</a:t>
+                      </a:r>
                       <a:endParaRPr lang="en-US" sz="2000" dirty="0"/>
                     </a:p>
                   </a:txBody>
@@ -36029,7 +36040,7 @@
                 </a:tc>
                 <a:extLst>
                   <a:ext uri="{0D108BD9-81ED-4DB2-BD59-A6C34878D82A}">
-                    <a16:rowId xmlns:a16="http://schemas.microsoft.com/office/drawing/2014/main" xmlns="" val="10006"/>
+                    <a16:rowId xmlns="" xmlns:a16="http://schemas.microsoft.com/office/drawing/2014/main" val="10006"/>
                   </a:ext>
                 </a:extLst>
               </a:tr>
@@ -36061,6 +36072,10 @@
                     <a:bodyPr/>
                     <a:lstStyle/>
                     <a:p>
+                      <a:r>
+                        <a:rPr lang="en-US" sz="2000" dirty="0" smtClean="0"/>
+                        <a:t>ARIMA (time permitting)</a:t>
+                      </a:r>
                       <a:endParaRPr lang="en-US" sz="2000" dirty="0"/>
                     </a:p>
                   </a:txBody>
@@ -36068,7 +36083,7 @@
                 </a:tc>
                 <a:extLst>
                   <a:ext uri="{0D108BD9-81ED-4DB2-BD59-A6C34878D82A}">
-                    <a16:rowId xmlns:a16="http://schemas.microsoft.com/office/drawing/2014/main" xmlns="" val="10007"/>
+                    <a16:rowId xmlns="" xmlns:a16="http://schemas.microsoft.com/office/drawing/2014/main" val="10007"/>
                   </a:ext>
                 </a:extLst>
               </a:tr>
@@ -36093,7 +36108,7 @@
           <a:p>
             <a:fld id="{9B19E99B-5349-415A-8E56-8E989211A366}" type="datetime1">
               <a:rPr lang="en-US" smtClean="0"/>
-              <a:t>7/22/2018</a:t>
+              <a:t>7/23/2018</a:t>
             </a:fld>
             <a:endParaRPr lang="en-US"/>
           </a:p>
@@ -36148,7 +36163,7 @@
     </p:spTree>
     <p:extLst>
       <p:ext uri="{BB962C8B-B14F-4D97-AF65-F5344CB8AC3E}">
-        <p14:creationId xmlns:p14="http://schemas.microsoft.com/office/powerpoint/2010/main" val="3324285261"/>
+        <p14:creationId xmlns:p14="http://schemas.microsoft.com/office/powerpoint/2010/main" val="3644680295"/>
       </p:ext>
     </p:extLst>
   </p:cSld>
@@ -36215,7 +36230,7 @@
           <a:p>
             <a:fld id="{D753EFC8-4232-4598-94F6-94C0EBAFC469}" type="datetime1">
               <a:rPr lang="en-US" smtClean="0"/>
-              <a:t>7/22/2018</a:t>
+              <a:t>7/23/2018</a:t>
             </a:fld>
             <a:endParaRPr lang="en-US"/>
           </a:p>
@@ -36474,11 +36489,7 @@
           <a:p>
             <a:r>
               <a:rPr lang="en-US" dirty="0" smtClean="0"/>
-              <a:t>Auto Regressive Integrated Moving </a:t>
-            </a:r>
-            <a:r>
-              <a:rPr lang="en-US" dirty="0" smtClean="0"/>
-              <a:t>Averages</a:t>
+              <a:t>Auto Regressive Integrated Moving Averages</a:t>
             </a:r>
             <a:br>
               <a:rPr lang="en-US" dirty="0" smtClean="0"/>
@@ -37780,7 +37791,7 @@
           <p:cNvPr id="2" name="Date Placeholder 1">
             <a:extLst>
               <a:ext uri="{FF2B5EF4-FFF2-40B4-BE49-F238E27FC236}">
-                <a16:creationId xmlns:a16="http://schemas.microsoft.com/office/drawing/2014/main" xmlns="" id="{5F2C3887-5370-461B-9723-FA8FB02B541C}"/>
+                <a16:creationId xmlns="" xmlns:a16="http://schemas.microsoft.com/office/drawing/2014/main" id="{5F2C3887-5370-461B-9723-FA8FB02B541C}"/>
               </a:ext>
             </a:extLst>
           </p:cNvPr>
@@ -37798,7 +37809,7 @@
           <a:p>
             <a:fld id="{6700A58B-DD98-43D0-B791-721480A02982}" type="datetime1">
               <a:rPr lang="en-US" smtClean="0"/>
-              <a:t>7/22/2018</a:t>
+              <a:t>7/23/2018</a:t>
             </a:fld>
             <a:endParaRPr lang="en-US"/>
           </a:p>
@@ -37809,7 +37820,7 @@
           <p:cNvPr id="3" name="Title 2">
             <a:extLst>
               <a:ext uri="{FF2B5EF4-FFF2-40B4-BE49-F238E27FC236}">
-                <a16:creationId xmlns:a16="http://schemas.microsoft.com/office/drawing/2014/main" xmlns="" id="{79452733-36AC-40C0-A10C-890FD418D562}"/>
+                <a16:creationId xmlns="" xmlns:a16="http://schemas.microsoft.com/office/drawing/2014/main" id="{79452733-36AC-40C0-A10C-890FD418D562}"/>
               </a:ext>
             </a:extLst>
           </p:cNvPr>
@@ -37838,7 +37849,7 @@
           <p:cNvPr id="4" name="Slide Number Placeholder 3">
             <a:extLst>
               <a:ext uri="{FF2B5EF4-FFF2-40B4-BE49-F238E27FC236}">
-                <a16:creationId xmlns:a16="http://schemas.microsoft.com/office/drawing/2014/main" xmlns="" id="{F04AF1B6-DEDE-4ECF-96D8-2BA98C5E8A09}"/>
+                <a16:creationId xmlns="" xmlns:a16="http://schemas.microsoft.com/office/drawing/2014/main" id="{F04AF1B6-DEDE-4ECF-96D8-2BA98C5E8A09}"/>
               </a:ext>
             </a:extLst>
           </p:cNvPr>
@@ -37867,7 +37878,7 @@
           <p:cNvPr id="5" name="Footer Placeholder 4">
             <a:extLst>
               <a:ext uri="{FF2B5EF4-FFF2-40B4-BE49-F238E27FC236}">
-                <a16:creationId xmlns:a16="http://schemas.microsoft.com/office/drawing/2014/main" xmlns="" id="{3E3C4817-070D-4782-935E-C73E380E19C6}"/>
+                <a16:creationId xmlns="" xmlns:a16="http://schemas.microsoft.com/office/drawing/2014/main" id="{3E3C4817-070D-4782-935E-C73E380E19C6}"/>
               </a:ext>
             </a:extLst>
           </p:cNvPr>
@@ -37896,7 +37907,7 @@
           <p:cNvPr id="6" name="Content Placeholder 2">
             <a:extLst>
               <a:ext uri="{FF2B5EF4-FFF2-40B4-BE49-F238E27FC236}">
-                <a16:creationId xmlns:a16="http://schemas.microsoft.com/office/drawing/2014/main" xmlns="" id="{4523FFBD-8391-4A87-80CE-BABAEAA54264}"/>
+                <a16:creationId xmlns="" xmlns:a16="http://schemas.microsoft.com/office/drawing/2014/main" id="{4523FFBD-8391-4A87-80CE-BABAEAA54264}"/>
               </a:ext>
             </a:extLst>
           </p:cNvPr>
@@ -38205,7 +38216,7 @@
           <p:cNvPr id="2" name="Date Placeholder 1">
             <a:extLst>
               <a:ext uri="{FF2B5EF4-FFF2-40B4-BE49-F238E27FC236}">
-                <a16:creationId xmlns:a16="http://schemas.microsoft.com/office/drawing/2014/main" xmlns="" id="{1446CF81-18DA-4882-8542-7FA528C6881D}"/>
+                <a16:creationId xmlns="" xmlns:a16="http://schemas.microsoft.com/office/drawing/2014/main" id="{1446CF81-18DA-4882-8542-7FA528C6881D}"/>
               </a:ext>
             </a:extLst>
           </p:cNvPr>
@@ -38223,7 +38234,7 @@
           <a:p>
             <a:fld id="{6700A58B-DD98-43D0-B791-721480A02982}" type="datetime1">
               <a:rPr lang="en-US" smtClean="0"/>
-              <a:t>7/22/2018</a:t>
+              <a:t>7/23/2018</a:t>
             </a:fld>
             <a:endParaRPr lang="en-US"/>
           </a:p>
@@ -38234,7 +38245,7 @@
           <p:cNvPr id="3" name="Title 2">
             <a:extLst>
               <a:ext uri="{FF2B5EF4-FFF2-40B4-BE49-F238E27FC236}">
-                <a16:creationId xmlns:a16="http://schemas.microsoft.com/office/drawing/2014/main" xmlns="" id="{614E3173-1F1E-4CF3-A763-737C0F4A4EA7}"/>
+                <a16:creationId xmlns="" xmlns:a16="http://schemas.microsoft.com/office/drawing/2014/main" id="{614E3173-1F1E-4CF3-A763-737C0F4A4EA7}"/>
               </a:ext>
             </a:extLst>
           </p:cNvPr>
@@ -38267,7 +38278,7 @@
           <p:cNvPr id="4" name="Slide Number Placeholder 3">
             <a:extLst>
               <a:ext uri="{FF2B5EF4-FFF2-40B4-BE49-F238E27FC236}">
-                <a16:creationId xmlns:a16="http://schemas.microsoft.com/office/drawing/2014/main" xmlns="" id="{C84D43DA-DA54-4A2F-AFA1-93EE114DE9F2}"/>
+                <a16:creationId xmlns="" xmlns:a16="http://schemas.microsoft.com/office/drawing/2014/main" id="{C84D43DA-DA54-4A2F-AFA1-93EE114DE9F2}"/>
               </a:ext>
             </a:extLst>
           </p:cNvPr>
@@ -38296,7 +38307,7 @@
           <p:cNvPr id="5" name="Footer Placeholder 4">
             <a:extLst>
               <a:ext uri="{FF2B5EF4-FFF2-40B4-BE49-F238E27FC236}">
-                <a16:creationId xmlns:a16="http://schemas.microsoft.com/office/drawing/2014/main" xmlns="" id="{EE31643D-3082-4F21-9828-946838B0DBFB}"/>
+                <a16:creationId xmlns="" xmlns:a16="http://schemas.microsoft.com/office/drawing/2014/main" id="{EE31643D-3082-4F21-9828-946838B0DBFB}"/>
               </a:ext>
             </a:extLst>
           </p:cNvPr>
@@ -38325,7 +38336,7 @@
           <p:cNvPr id="7" name="TextBox 6">
             <a:extLst>
               <a:ext uri="{FF2B5EF4-FFF2-40B4-BE49-F238E27FC236}">
-                <a16:creationId xmlns:a16="http://schemas.microsoft.com/office/drawing/2014/main" xmlns="" id="{709878E9-7B9E-4E44-B365-5CC9BC94906B}"/>
+                <a16:creationId xmlns="" xmlns:a16="http://schemas.microsoft.com/office/drawing/2014/main" id="{709878E9-7B9E-4E44-B365-5CC9BC94906B}"/>
               </a:ext>
             </a:extLst>
           </p:cNvPr>
@@ -38398,7 +38409,7 @@
           <p:cNvPr id="6" name="Picture 5">
             <a:extLst>
               <a:ext uri="{FF2B5EF4-FFF2-40B4-BE49-F238E27FC236}">
-                <a16:creationId xmlns:a16="http://schemas.microsoft.com/office/drawing/2014/main" xmlns="" id="{4D9F30B6-F781-4F9F-A682-E0BD1E45FE16}"/>
+                <a16:creationId xmlns="" xmlns:a16="http://schemas.microsoft.com/office/drawing/2014/main" id="{4D9F30B6-F781-4F9F-A682-E0BD1E45FE16}"/>
               </a:ext>
             </a:extLst>
           </p:cNvPr>
